--- a/master/opening/imgs/img_maker.pptx
+++ b/master/opening/imgs/img_maker.pptx
@@ -8,6 +8,7 @@
     <p:sldId id="256" r:id="rId2"/>
     <p:sldId id="257" r:id="rId3"/>
     <p:sldId id="258" r:id="rId4"/>
+    <p:sldId id="259" r:id="rId5"/>
   </p:sldIdLst>
   <p:sldSz cx="12192000" cy="6858000"/>
   <p:notesSz cx="6858000" cy="9144000"/>
@@ -106,6 +107,27 @@
       </a:defRPr>
     </a:lvl9pPr>
   </p:defaultTextStyle>
+  <p:extLst>
+    <p:ext uri="{521415D9-36F7-43E2-AB2F-B90AF26B5E84}">
+      <p14:sectionLst xmlns:p14="http://schemas.microsoft.com/office/powerpoint/2010/main">
+        <p14:section name="默认节" id="{85854502-9D51-4DE2-8789-57EDD640F6EC}">
+          <p14:sldIdLst>
+            <p14:sldId id="256"/>
+            <p14:sldId id="257"/>
+            <p14:sldId id="258"/>
+          </p14:sldIdLst>
+        </p14:section>
+        <p14:section name="无标题节" id="{FAAE2F3A-1B76-4C7C-96F6-61E2081834A0}">
+          <p14:sldIdLst>
+            <p14:sldId id="259"/>
+          </p14:sldIdLst>
+        </p14:section>
+      </p14:sectionLst>
+    </p:ext>
+    <p:ext uri="{EFAFB233-063F-42B5-8137-9DF3F51BA10A}">
+      <p15:sldGuideLst xmlns:p15="http://schemas.microsoft.com/office/powerpoint/2012/main"/>
+    </p:ext>
+  </p:extLst>
 </p:presentation>
 </file>
 
@@ -4016,6 +4038,1037 @@
 </p:sld>
 </file>
 
+<file path=ppt/slides/slide4.xml><?xml version="1.0" encoding="utf-8"?>
+<p:sld xmlns:a="http://schemas.openxmlformats.org/drawingml/2006/main" xmlns:r="http://schemas.openxmlformats.org/officeDocument/2006/relationships" xmlns:p="http://schemas.openxmlformats.org/presentationml/2006/main">
+  <p:cSld>
+    <p:spTree>
+      <p:nvGrpSpPr>
+        <p:cNvPr id="1" name=""/>
+        <p:cNvGrpSpPr/>
+        <p:nvPr/>
+      </p:nvGrpSpPr>
+      <p:grpSpPr>
+        <a:xfrm>
+          <a:off x="0" y="0"/>
+          <a:ext cx="0" cy="0"/>
+          <a:chOff x="0" y="0"/>
+          <a:chExt cx="0" cy="0"/>
+        </a:xfrm>
+      </p:grpSpPr>
+      <p:grpSp>
+        <p:nvGrpSpPr>
+          <p:cNvPr id="34" name="组合 33">
+            <a:extLst>
+              <a:ext uri="{FF2B5EF4-FFF2-40B4-BE49-F238E27FC236}">
+                <a16:creationId xmlns:a16="http://schemas.microsoft.com/office/drawing/2014/main" id="{CE90443E-FBEB-49A2-8D4E-5C81D34EF963}"/>
+              </a:ext>
+            </a:extLst>
+          </p:cNvPr>
+          <p:cNvGrpSpPr/>
+          <p:nvPr/>
+        </p:nvGrpSpPr>
+        <p:grpSpPr>
+          <a:xfrm>
+            <a:off x="1576338" y="441401"/>
+            <a:ext cx="4170549" cy="3218575"/>
+            <a:chOff x="1576338" y="441401"/>
+            <a:chExt cx="4170549" cy="3218575"/>
+          </a:xfrm>
+        </p:grpSpPr>
+        <p:sp>
+          <p:nvSpPr>
+            <p:cNvPr id="4" name="椭圆 3">
+              <a:extLst>
+                <a:ext uri="{FF2B5EF4-FFF2-40B4-BE49-F238E27FC236}">
+                  <a16:creationId xmlns:a16="http://schemas.microsoft.com/office/drawing/2014/main" id="{AEEC100C-E4A1-4448-9033-3C5225B99F32}"/>
+                </a:ext>
+              </a:extLst>
+            </p:cNvPr>
+            <p:cNvSpPr/>
+            <p:nvPr/>
+          </p:nvSpPr>
+          <p:spPr>
+            <a:xfrm>
+              <a:off x="3167149" y="1504603"/>
+              <a:ext cx="1762298" cy="1188720"/>
+            </a:xfrm>
+            <a:prstGeom prst="ellipse">
+              <a:avLst/>
+            </a:prstGeom>
+          </p:spPr>
+          <p:style>
+            <a:lnRef idx="2">
+              <a:schemeClr val="accent1">
+                <a:shade val="50000"/>
+              </a:schemeClr>
+            </a:lnRef>
+            <a:fillRef idx="1">
+              <a:schemeClr val="accent1"/>
+            </a:fillRef>
+            <a:effectRef idx="0">
+              <a:schemeClr val="accent1"/>
+            </a:effectRef>
+            <a:fontRef idx="minor">
+              <a:schemeClr val="lt1"/>
+            </a:fontRef>
+          </p:style>
+          <p:txBody>
+            <a:bodyPr rtlCol="0" anchor="ctr"/>
+            <a:lstStyle/>
+            <a:p>
+              <a:pPr algn="ctr"/>
+              <a:endParaRPr lang="zh-CN" altLang="en-US"/>
+            </a:p>
+          </p:txBody>
+        </p:sp>
+        <p:cxnSp>
+          <p:nvCxnSpPr>
+            <p:cNvPr id="6" name="直接箭头连接符 5">
+              <a:extLst>
+                <a:ext uri="{FF2B5EF4-FFF2-40B4-BE49-F238E27FC236}">
+                  <a16:creationId xmlns:a16="http://schemas.microsoft.com/office/drawing/2014/main" id="{FC69AFFB-3F34-4C3B-857D-3D044FFB9779}"/>
+                </a:ext>
+              </a:extLst>
+            </p:cNvPr>
+            <p:cNvCxnSpPr>
+              <a:endCxn id="4" idx="1"/>
+            </p:cNvCxnSpPr>
+            <p:nvPr/>
+          </p:nvCxnSpPr>
+          <p:spPr>
+            <a:xfrm>
+              <a:off x="1961804" y="897775"/>
+              <a:ext cx="1463428" cy="780912"/>
+            </a:xfrm>
+            <a:prstGeom prst="straightConnector1">
+              <a:avLst/>
+            </a:prstGeom>
+            <a:ln>
+              <a:tailEnd type="triangle"/>
+            </a:ln>
+          </p:spPr>
+          <p:style>
+            <a:lnRef idx="1">
+              <a:schemeClr val="accent1"/>
+            </a:lnRef>
+            <a:fillRef idx="0">
+              <a:schemeClr val="accent1"/>
+            </a:fillRef>
+            <a:effectRef idx="0">
+              <a:schemeClr val="accent1"/>
+            </a:effectRef>
+            <a:fontRef idx="minor">
+              <a:schemeClr val="tx1"/>
+            </a:fontRef>
+          </p:style>
+        </p:cxnSp>
+        <p:cxnSp>
+          <p:nvCxnSpPr>
+            <p:cNvPr id="7" name="直接箭头连接符 6">
+              <a:extLst>
+                <a:ext uri="{FF2B5EF4-FFF2-40B4-BE49-F238E27FC236}">
+                  <a16:creationId xmlns:a16="http://schemas.microsoft.com/office/drawing/2014/main" id="{A0747685-7675-43BB-86A8-51BC4186B790}"/>
+                </a:ext>
+              </a:extLst>
+            </p:cNvPr>
+            <p:cNvCxnSpPr>
+              <a:cxnSpLocks/>
+              <a:endCxn id="4" idx="0"/>
+            </p:cNvCxnSpPr>
+            <p:nvPr/>
+          </p:nvCxnSpPr>
+          <p:spPr>
+            <a:xfrm>
+              <a:off x="1999017" y="723691"/>
+              <a:ext cx="2049281" cy="780912"/>
+            </a:xfrm>
+            <a:prstGeom prst="straightConnector1">
+              <a:avLst/>
+            </a:prstGeom>
+            <a:ln>
+              <a:tailEnd type="triangle"/>
+            </a:ln>
+          </p:spPr>
+          <p:style>
+            <a:lnRef idx="1">
+              <a:schemeClr val="accent1"/>
+            </a:lnRef>
+            <a:fillRef idx="0">
+              <a:schemeClr val="accent1"/>
+            </a:fillRef>
+            <a:effectRef idx="0">
+              <a:schemeClr val="accent1"/>
+            </a:effectRef>
+            <a:fontRef idx="minor">
+              <a:schemeClr val="tx1"/>
+            </a:fontRef>
+          </p:style>
+        </p:cxnSp>
+        <p:cxnSp>
+          <p:nvCxnSpPr>
+            <p:cNvPr id="9" name="直接箭头连接符 8">
+              <a:extLst>
+                <a:ext uri="{FF2B5EF4-FFF2-40B4-BE49-F238E27FC236}">
+                  <a16:creationId xmlns:a16="http://schemas.microsoft.com/office/drawing/2014/main" id="{3FDDB54B-D66F-41CF-AB05-B03C8609F8CA}"/>
+                </a:ext>
+              </a:extLst>
+            </p:cNvPr>
+            <p:cNvCxnSpPr>
+              <a:cxnSpLocks/>
+              <a:endCxn id="4" idx="4"/>
+            </p:cNvCxnSpPr>
+            <p:nvPr/>
+          </p:nvCxnSpPr>
+          <p:spPr>
+            <a:xfrm flipV="1">
+              <a:off x="2018413" y="2693323"/>
+              <a:ext cx="2029885" cy="440575"/>
+            </a:xfrm>
+            <a:prstGeom prst="straightConnector1">
+              <a:avLst/>
+            </a:prstGeom>
+            <a:ln>
+              <a:tailEnd type="triangle"/>
+            </a:ln>
+          </p:spPr>
+          <p:style>
+            <a:lnRef idx="1">
+              <a:schemeClr val="accent1"/>
+            </a:lnRef>
+            <a:fillRef idx="0">
+              <a:schemeClr val="accent1"/>
+            </a:fillRef>
+            <a:effectRef idx="0">
+              <a:schemeClr val="accent1"/>
+            </a:effectRef>
+            <a:fontRef idx="minor">
+              <a:schemeClr val="tx1"/>
+            </a:fontRef>
+          </p:style>
+        </p:cxnSp>
+        <p:cxnSp>
+          <p:nvCxnSpPr>
+            <p:cNvPr id="10" name="直接箭头连接符 9">
+              <a:extLst>
+                <a:ext uri="{FF2B5EF4-FFF2-40B4-BE49-F238E27FC236}">
+                  <a16:creationId xmlns:a16="http://schemas.microsoft.com/office/drawing/2014/main" id="{484C709E-F36E-4F72-8881-2845FA6701E2}"/>
+                </a:ext>
+              </a:extLst>
+            </p:cNvPr>
+            <p:cNvCxnSpPr>
+              <a:cxnSpLocks/>
+              <a:endCxn id="4" idx="3"/>
+            </p:cNvCxnSpPr>
+            <p:nvPr/>
+          </p:nvCxnSpPr>
+          <p:spPr>
+            <a:xfrm flipV="1">
+              <a:off x="2018413" y="2519239"/>
+              <a:ext cx="1406819" cy="445634"/>
+            </a:xfrm>
+            <a:prstGeom prst="straightConnector1">
+              <a:avLst/>
+            </a:prstGeom>
+            <a:ln>
+              <a:tailEnd type="triangle"/>
+            </a:ln>
+          </p:spPr>
+          <p:style>
+            <a:lnRef idx="1">
+              <a:schemeClr val="accent1"/>
+            </a:lnRef>
+            <a:fillRef idx="0">
+              <a:schemeClr val="accent1"/>
+            </a:fillRef>
+            <a:effectRef idx="0">
+              <a:schemeClr val="accent1"/>
+            </a:effectRef>
+            <a:fontRef idx="minor">
+              <a:schemeClr val="tx1"/>
+            </a:fontRef>
+          </p:style>
+        </p:cxnSp>
+        <p:sp>
+          <p:nvSpPr>
+            <p:cNvPr id="14" name="文本框 13">
+              <a:extLst>
+                <a:ext uri="{FF2B5EF4-FFF2-40B4-BE49-F238E27FC236}">
+                  <a16:creationId xmlns:a16="http://schemas.microsoft.com/office/drawing/2014/main" id="{B83F109F-DC19-4BF0-B932-F4D6F537F319}"/>
+                </a:ext>
+              </a:extLst>
+            </p:cNvPr>
+            <p:cNvSpPr txBox="1"/>
+            <p:nvPr/>
+          </p:nvSpPr>
+          <p:spPr>
+            <a:xfrm>
+              <a:off x="1613975" y="441401"/>
+              <a:ext cx="385042" cy="369332"/>
+            </a:xfrm>
+            <a:prstGeom prst="rect">
+              <a:avLst/>
+            </a:prstGeom>
+            <a:noFill/>
+          </p:spPr>
+          <p:txBody>
+            <a:bodyPr wrap="none" rtlCol="0">
+              <a:spAutoFit/>
+            </a:bodyPr>
+            <a:lstStyle/>
+            <a:p>
+              <a:r>
+                <a:rPr lang="en-US" altLang="zh-CN" b="1" dirty="0"/>
+                <a:t>x</a:t>
+              </a:r>
+              <a:r>
+                <a:rPr lang="en-US" altLang="zh-CN" b="1" baseline="-25000" dirty="0"/>
+                <a:t>1</a:t>
+              </a:r>
+              <a:endParaRPr lang="zh-CN" altLang="en-US" b="1" baseline="-25000" dirty="0"/>
+            </a:p>
+          </p:txBody>
+        </p:sp>
+        <p:sp>
+          <p:nvSpPr>
+            <p:cNvPr id="15" name="文本框 14">
+              <a:extLst>
+                <a:ext uri="{FF2B5EF4-FFF2-40B4-BE49-F238E27FC236}">
+                  <a16:creationId xmlns:a16="http://schemas.microsoft.com/office/drawing/2014/main" id="{ABE69AA3-35C5-4F55-A6BD-54C10502730C}"/>
+                </a:ext>
+              </a:extLst>
+            </p:cNvPr>
+            <p:cNvSpPr txBox="1"/>
+            <p:nvPr/>
+          </p:nvSpPr>
+          <p:spPr>
+            <a:xfrm>
+              <a:off x="1613587" y="653040"/>
+              <a:ext cx="385042" cy="369332"/>
+            </a:xfrm>
+            <a:prstGeom prst="rect">
+              <a:avLst/>
+            </a:prstGeom>
+            <a:noFill/>
+          </p:spPr>
+          <p:txBody>
+            <a:bodyPr wrap="none" rtlCol="0">
+              <a:spAutoFit/>
+            </a:bodyPr>
+            <a:lstStyle/>
+            <a:p>
+              <a:r>
+                <a:rPr lang="en-US" altLang="zh-CN" b="1" dirty="0"/>
+                <a:t>x</a:t>
+              </a:r>
+              <a:r>
+                <a:rPr lang="en-US" altLang="zh-CN" b="1" baseline="-25000" dirty="0"/>
+                <a:t>2</a:t>
+              </a:r>
+              <a:endParaRPr lang="zh-CN" altLang="en-US" b="1" baseline="-25000" dirty="0"/>
+            </a:p>
+          </p:txBody>
+        </p:sp>
+        <p:sp>
+          <p:nvSpPr>
+            <p:cNvPr id="16" name="文本框 15">
+              <a:extLst>
+                <a:ext uri="{FF2B5EF4-FFF2-40B4-BE49-F238E27FC236}">
+                  <a16:creationId xmlns:a16="http://schemas.microsoft.com/office/drawing/2014/main" id="{69BA4731-9633-4159-86AB-E8E87AB13B2E}"/>
+                </a:ext>
+              </a:extLst>
+            </p:cNvPr>
+            <p:cNvSpPr txBox="1"/>
+            <p:nvPr/>
+          </p:nvSpPr>
+          <p:spPr>
+            <a:xfrm>
+              <a:off x="1662934" y="2680054"/>
+              <a:ext cx="546945" cy="307777"/>
+            </a:xfrm>
+            <a:prstGeom prst="rect">
+              <a:avLst/>
+            </a:prstGeom>
+            <a:noFill/>
+          </p:spPr>
+          <p:txBody>
+            <a:bodyPr wrap="none" rtlCol="0">
+              <a:spAutoFit/>
+            </a:bodyPr>
+            <a:lstStyle/>
+            <a:p>
+              <a:r>
+                <a:rPr lang="en-US" altLang="zh-CN" sz="1400" b="1" dirty="0"/>
+                <a:t>X</a:t>
+              </a:r>
+              <a:r>
+                <a:rPr lang="en-US" altLang="zh-CN" b="1" baseline="-25000" dirty="0"/>
+                <a:t>n-1</a:t>
+              </a:r>
+              <a:endParaRPr lang="zh-CN" altLang="en-US" b="1" baseline="-25000" dirty="0"/>
+            </a:p>
+          </p:txBody>
+        </p:sp>
+        <p:sp>
+          <p:nvSpPr>
+            <p:cNvPr id="17" name="文本框 16">
+              <a:extLst>
+                <a:ext uri="{FF2B5EF4-FFF2-40B4-BE49-F238E27FC236}">
+                  <a16:creationId xmlns:a16="http://schemas.microsoft.com/office/drawing/2014/main" id="{BA94804D-C022-4A8E-9331-F8BAFFD00015}"/>
+                </a:ext>
+              </a:extLst>
+            </p:cNvPr>
+            <p:cNvSpPr txBox="1"/>
+            <p:nvPr/>
+          </p:nvSpPr>
+          <p:spPr>
+            <a:xfrm>
+              <a:off x="1648153" y="2845317"/>
+              <a:ext cx="389850" cy="369332"/>
+            </a:xfrm>
+            <a:prstGeom prst="rect">
+              <a:avLst/>
+            </a:prstGeom>
+            <a:noFill/>
+          </p:spPr>
+          <p:txBody>
+            <a:bodyPr wrap="none" rtlCol="0">
+              <a:spAutoFit/>
+            </a:bodyPr>
+            <a:lstStyle/>
+            <a:p>
+              <a:r>
+                <a:rPr lang="en-US" altLang="zh-CN" b="1" dirty="0" err="1"/>
+                <a:t>x</a:t>
+              </a:r>
+              <a:r>
+                <a:rPr lang="en-US" altLang="zh-CN" b="1" baseline="-25000" dirty="0" err="1"/>
+                <a:t>n</a:t>
+              </a:r>
+              <a:endParaRPr lang="zh-CN" altLang="en-US" b="1" baseline="-25000" dirty="0"/>
+            </a:p>
+          </p:txBody>
+        </p:sp>
+        <p:sp>
+          <p:nvSpPr>
+            <p:cNvPr id="18" name="文本框 17">
+              <a:extLst>
+                <a:ext uri="{FF2B5EF4-FFF2-40B4-BE49-F238E27FC236}">
+                  <a16:creationId xmlns:a16="http://schemas.microsoft.com/office/drawing/2014/main" id="{27E7E6CC-55EC-4FCE-A70D-9EE83B08A9DD}"/>
+                </a:ext>
+              </a:extLst>
+            </p:cNvPr>
+            <p:cNvSpPr txBox="1"/>
+            <p:nvPr/>
+          </p:nvSpPr>
+          <p:spPr>
+            <a:xfrm>
+              <a:off x="1576338" y="1909889"/>
+              <a:ext cx="461665" cy="254237"/>
+            </a:xfrm>
+            <a:prstGeom prst="rect">
+              <a:avLst/>
+            </a:prstGeom>
+            <a:noFill/>
+          </p:spPr>
+          <p:txBody>
+            <a:bodyPr vert="eaVert" wrap="none" rtlCol="0">
+              <a:spAutoFit/>
+            </a:bodyPr>
+            <a:lstStyle/>
+            <a:p>
+              <a:r>
+                <a:rPr lang="en-US" altLang="zh-CN" dirty="0"/>
+                <a:t>…</a:t>
+              </a:r>
+              <a:endParaRPr lang="zh-CN" altLang="en-US" dirty="0"/>
+            </a:p>
+          </p:txBody>
+        </p:sp>
+        <p:sp>
+          <p:nvSpPr>
+            <p:cNvPr id="20" name="文本框 19">
+              <a:extLst>
+                <a:ext uri="{FF2B5EF4-FFF2-40B4-BE49-F238E27FC236}">
+                  <a16:creationId xmlns:a16="http://schemas.microsoft.com/office/drawing/2014/main" id="{F921CA31-380A-4834-9329-771AA2100EF1}"/>
+                </a:ext>
+              </a:extLst>
+            </p:cNvPr>
+            <p:cNvSpPr txBox="1"/>
+            <p:nvPr/>
+          </p:nvSpPr>
+          <p:spPr>
+            <a:xfrm>
+              <a:off x="2801093" y="773049"/>
+              <a:ext cx="444352" cy="369332"/>
+            </a:xfrm>
+            <a:prstGeom prst="rect">
+              <a:avLst/>
+            </a:prstGeom>
+            <a:noFill/>
+          </p:spPr>
+          <p:txBody>
+            <a:bodyPr wrap="none" rtlCol="0">
+              <a:spAutoFit/>
+            </a:bodyPr>
+            <a:lstStyle/>
+            <a:p>
+              <a:r>
+                <a:rPr lang="en-US" altLang="zh-CN" b="1" dirty="0"/>
+                <a:t>w</a:t>
+              </a:r>
+              <a:r>
+                <a:rPr lang="en-US" altLang="zh-CN" b="1" baseline="-25000" dirty="0"/>
+                <a:t>1</a:t>
+              </a:r>
+              <a:endParaRPr lang="zh-CN" altLang="en-US" b="1" baseline="-25000" dirty="0"/>
+            </a:p>
+          </p:txBody>
+        </p:sp>
+        <p:sp>
+          <p:nvSpPr>
+            <p:cNvPr id="21" name="文本框 20">
+              <a:extLst>
+                <a:ext uri="{FF2B5EF4-FFF2-40B4-BE49-F238E27FC236}">
+                  <a16:creationId xmlns:a16="http://schemas.microsoft.com/office/drawing/2014/main" id="{BC154E26-E3E9-4AFE-A782-C7CA3357B8AF}"/>
+                </a:ext>
+              </a:extLst>
+            </p:cNvPr>
+            <p:cNvSpPr txBox="1"/>
+            <p:nvPr/>
+          </p:nvSpPr>
+          <p:spPr>
+            <a:xfrm>
+              <a:off x="2801093" y="1064028"/>
+              <a:ext cx="444352" cy="369332"/>
+            </a:xfrm>
+            <a:prstGeom prst="rect">
+              <a:avLst/>
+            </a:prstGeom>
+            <a:noFill/>
+          </p:spPr>
+          <p:txBody>
+            <a:bodyPr wrap="none" rtlCol="0">
+              <a:spAutoFit/>
+            </a:bodyPr>
+            <a:lstStyle/>
+            <a:p>
+              <a:r>
+                <a:rPr lang="en-US" altLang="zh-CN" b="1" dirty="0"/>
+                <a:t>w</a:t>
+              </a:r>
+              <a:r>
+                <a:rPr lang="en-US" altLang="zh-CN" b="1" baseline="-25000" dirty="0"/>
+                <a:t>2</a:t>
+              </a:r>
+              <a:endParaRPr lang="zh-CN" altLang="en-US" b="1" baseline="-25000" dirty="0"/>
+            </a:p>
+          </p:txBody>
+        </p:sp>
+        <p:sp>
+          <p:nvSpPr>
+            <p:cNvPr id="22" name="文本框 21">
+              <a:extLst>
+                <a:ext uri="{FF2B5EF4-FFF2-40B4-BE49-F238E27FC236}">
+                  <a16:creationId xmlns:a16="http://schemas.microsoft.com/office/drawing/2014/main" id="{47352B70-D1FB-4762-8FBC-B3A20905E1EC}"/>
+                </a:ext>
+              </a:extLst>
+            </p:cNvPr>
+            <p:cNvSpPr txBox="1"/>
+            <p:nvPr/>
+          </p:nvSpPr>
+          <p:spPr>
+            <a:xfrm>
+              <a:off x="2801093" y="2345081"/>
+              <a:ext cx="609462" cy="307777"/>
+            </a:xfrm>
+            <a:prstGeom prst="rect">
+              <a:avLst/>
+            </a:prstGeom>
+            <a:noFill/>
+          </p:spPr>
+          <p:txBody>
+            <a:bodyPr wrap="none" rtlCol="0">
+              <a:spAutoFit/>
+            </a:bodyPr>
+            <a:lstStyle/>
+            <a:p>
+              <a:r>
+                <a:rPr lang="en-US" altLang="zh-CN" sz="1400" b="1" dirty="0"/>
+                <a:t>W</a:t>
+              </a:r>
+              <a:r>
+                <a:rPr lang="en-US" altLang="zh-CN" b="1" baseline="-25000" dirty="0"/>
+                <a:t>n-1</a:t>
+              </a:r>
+              <a:endParaRPr lang="zh-CN" altLang="en-US" b="1" baseline="-25000" dirty="0"/>
+            </a:p>
+          </p:txBody>
+        </p:sp>
+        <p:sp>
+          <p:nvSpPr>
+            <p:cNvPr id="23" name="文本框 22">
+              <a:extLst>
+                <a:ext uri="{FF2B5EF4-FFF2-40B4-BE49-F238E27FC236}">
+                  <a16:creationId xmlns:a16="http://schemas.microsoft.com/office/drawing/2014/main" id="{F7CA6985-5A9F-452E-B055-F8F901756A90}"/>
+                </a:ext>
+              </a:extLst>
+            </p:cNvPr>
+            <p:cNvSpPr txBox="1"/>
+            <p:nvPr/>
+          </p:nvSpPr>
+          <p:spPr>
+            <a:xfrm>
+              <a:off x="2801093" y="2608810"/>
+              <a:ext cx="449162" cy="369332"/>
+            </a:xfrm>
+            <a:prstGeom prst="rect">
+              <a:avLst/>
+            </a:prstGeom>
+            <a:noFill/>
+          </p:spPr>
+          <p:txBody>
+            <a:bodyPr wrap="none" rtlCol="0">
+              <a:spAutoFit/>
+            </a:bodyPr>
+            <a:lstStyle/>
+            <a:p>
+              <a:r>
+                <a:rPr lang="en-US" altLang="zh-CN" b="1" dirty="0" err="1"/>
+                <a:t>w</a:t>
+              </a:r>
+              <a:r>
+                <a:rPr lang="en-US" altLang="zh-CN" b="1" baseline="-25000" dirty="0" err="1"/>
+                <a:t>n</a:t>
+              </a:r>
+              <a:endParaRPr lang="zh-CN" altLang="en-US" b="1" baseline="-25000" dirty="0"/>
+            </a:p>
+          </p:txBody>
+        </p:sp>
+        <p:cxnSp>
+          <p:nvCxnSpPr>
+            <p:cNvPr id="25" name="直接箭头连接符 24">
+              <a:extLst>
+                <a:ext uri="{FF2B5EF4-FFF2-40B4-BE49-F238E27FC236}">
+                  <a16:creationId xmlns:a16="http://schemas.microsoft.com/office/drawing/2014/main" id="{9EF0F5AB-545C-45DA-8756-A713A5D90797}"/>
+                </a:ext>
+              </a:extLst>
+            </p:cNvPr>
+            <p:cNvCxnSpPr/>
+            <p:nvPr/>
+          </p:nvCxnSpPr>
+          <p:spPr>
+            <a:xfrm flipV="1">
+              <a:off x="4048298" y="2693323"/>
+              <a:ext cx="0" cy="966653"/>
+            </a:xfrm>
+            <a:prstGeom prst="straightConnector1">
+              <a:avLst/>
+            </a:prstGeom>
+            <a:ln>
+              <a:tailEnd type="triangle"/>
+            </a:ln>
+          </p:spPr>
+          <p:style>
+            <a:lnRef idx="1">
+              <a:schemeClr val="accent1"/>
+            </a:lnRef>
+            <a:fillRef idx="0">
+              <a:schemeClr val="accent1"/>
+            </a:fillRef>
+            <a:effectRef idx="0">
+              <a:schemeClr val="accent1"/>
+            </a:effectRef>
+            <a:fontRef idx="minor">
+              <a:schemeClr val="tx1"/>
+            </a:fontRef>
+          </p:style>
+        </p:cxnSp>
+        <p:cxnSp>
+          <p:nvCxnSpPr>
+            <p:cNvPr id="27" name="直接连接符 26">
+              <a:extLst>
+                <a:ext uri="{FF2B5EF4-FFF2-40B4-BE49-F238E27FC236}">
+                  <a16:creationId xmlns:a16="http://schemas.microsoft.com/office/drawing/2014/main" id="{B925A51C-AA42-4481-840C-D668BECB54DA}"/>
+                </a:ext>
+              </a:extLst>
+            </p:cNvPr>
+            <p:cNvCxnSpPr>
+              <a:stCxn id="4" idx="0"/>
+              <a:endCxn id="4" idx="4"/>
+            </p:cNvCxnSpPr>
+            <p:nvPr/>
+          </p:nvCxnSpPr>
+          <p:spPr>
+            <a:xfrm>
+              <a:off x="4048298" y="1504603"/>
+              <a:ext cx="0" cy="1188720"/>
+            </a:xfrm>
+            <a:prstGeom prst="line">
+              <a:avLst/>
+            </a:prstGeom>
+            <a:ln w="28575">
+              <a:solidFill>
+                <a:schemeClr val="tx1"/>
+              </a:solidFill>
+            </a:ln>
+          </p:spPr>
+          <p:style>
+            <a:lnRef idx="1">
+              <a:schemeClr val="accent1"/>
+            </a:lnRef>
+            <a:fillRef idx="0">
+              <a:schemeClr val="accent1"/>
+            </a:fillRef>
+            <a:effectRef idx="0">
+              <a:schemeClr val="accent1"/>
+            </a:effectRef>
+            <a:fontRef idx="minor">
+              <a:schemeClr val="tx1"/>
+            </a:fontRef>
+          </p:style>
+        </p:cxnSp>
+        <p:cxnSp>
+          <p:nvCxnSpPr>
+            <p:cNvPr id="29" name="直接箭头连接符 28">
+              <a:extLst>
+                <a:ext uri="{FF2B5EF4-FFF2-40B4-BE49-F238E27FC236}">
+                  <a16:creationId xmlns:a16="http://schemas.microsoft.com/office/drawing/2014/main" id="{9B4591E4-F7D4-4547-A57C-AC30BADFF629}"/>
+                </a:ext>
+              </a:extLst>
+            </p:cNvPr>
+            <p:cNvCxnSpPr>
+              <a:cxnSpLocks/>
+              <a:stCxn id="4" idx="6"/>
+            </p:cNvCxnSpPr>
+            <p:nvPr/>
+          </p:nvCxnSpPr>
+          <p:spPr>
+            <a:xfrm>
+              <a:off x="4929447" y="2098963"/>
+              <a:ext cx="515389" cy="0"/>
+            </a:xfrm>
+            <a:prstGeom prst="straightConnector1">
+              <a:avLst/>
+            </a:prstGeom>
+            <a:ln>
+              <a:tailEnd type="triangle"/>
+            </a:ln>
+          </p:spPr>
+          <p:style>
+            <a:lnRef idx="1">
+              <a:schemeClr val="accent1"/>
+            </a:lnRef>
+            <a:fillRef idx="0">
+              <a:schemeClr val="accent1"/>
+            </a:fillRef>
+            <a:effectRef idx="0">
+              <a:schemeClr val="accent1"/>
+            </a:effectRef>
+            <a:fontRef idx="minor">
+              <a:schemeClr val="tx1"/>
+            </a:fontRef>
+          </p:style>
+        </p:cxnSp>
+        <p:sp>
+          <p:nvSpPr>
+            <p:cNvPr id="31" name="文本框 30">
+              <a:extLst>
+                <a:ext uri="{FF2B5EF4-FFF2-40B4-BE49-F238E27FC236}">
+                  <a16:creationId xmlns:a16="http://schemas.microsoft.com/office/drawing/2014/main" id="{D1BE0714-26EA-4FBB-A9E3-C61BA1934E7A}"/>
+                </a:ext>
+              </a:extLst>
+            </p:cNvPr>
+            <p:cNvSpPr txBox="1"/>
+            <p:nvPr/>
+          </p:nvSpPr>
+          <p:spPr>
+            <a:xfrm>
+              <a:off x="5387493" y="1893263"/>
+              <a:ext cx="359394" cy="369332"/>
+            </a:xfrm>
+            <a:prstGeom prst="rect">
+              <a:avLst/>
+            </a:prstGeom>
+            <a:noFill/>
+          </p:spPr>
+          <p:txBody>
+            <a:bodyPr wrap="none" rtlCol="0">
+              <a:spAutoFit/>
+            </a:bodyPr>
+            <a:lstStyle/>
+            <a:p>
+              <a:r>
+                <a:rPr lang="en-US" altLang="zh-CN" b="1" dirty="0"/>
+                <a:t>O</a:t>
+              </a:r>
+              <a:endParaRPr lang="zh-CN" altLang="en-US" b="1" dirty="0"/>
+            </a:p>
+          </p:txBody>
+        </p:sp>
+        <mc:AlternateContent xmlns:mc="http://schemas.openxmlformats.org/markup-compatibility/2006">
+          <mc:Choice xmlns:a14="http://schemas.microsoft.com/office/drawing/2010/main" Requires="a14">
+            <p:sp>
+              <p:nvSpPr>
+                <p:cNvPr id="32" name="文本框 31">
+                  <a:extLst>
+                    <a:ext uri="{FF2B5EF4-FFF2-40B4-BE49-F238E27FC236}">
+                      <a16:creationId xmlns:a16="http://schemas.microsoft.com/office/drawing/2014/main" id="{EE4988D9-03D4-4618-BDAD-2D15E987992C}"/>
+                    </a:ext>
+                  </a:extLst>
+                </p:cNvPr>
+                <p:cNvSpPr txBox="1"/>
+                <p:nvPr/>
+              </p:nvSpPr>
+              <p:spPr>
+                <a:xfrm>
+                  <a:off x="3206135" y="1782293"/>
+                  <a:ext cx="839652" cy="670761"/>
+                </a:xfrm>
+                <a:prstGeom prst="rect">
+                  <a:avLst/>
+                </a:prstGeom>
+                <a:noFill/>
+              </p:spPr>
+              <p:txBody>
+                <a:bodyPr wrap="none" lIns="0" tIns="0" rIns="0" bIns="0" rtlCol="0">
+                  <a:spAutoFit/>
+                </a:bodyPr>
+                <a:lstStyle/>
+                <a:p>
+                  <a14:m>
+                    <m:oMathPara xmlns:m="http://schemas.openxmlformats.org/officeDocument/2006/math">
+                      <m:oMathParaPr>
+                        <m:jc m:val="centerGroup"/>
+                      </m:oMathParaPr>
+                      <m:oMath xmlns:m="http://schemas.openxmlformats.org/officeDocument/2006/math">
+                        <m:nary>
+                          <m:naryPr>
+                            <m:chr m:val="∑"/>
+                            <m:subHide m:val="on"/>
+                            <m:supHide m:val="on"/>
+                            <m:ctrlPr>
+                              <a:rPr lang="zh-CN" altLang="en-US" i="1" smtClean="0">
+                                <a:latin typeface="Cambria Math" panose="02040503050406030204" pitchFamily="18" charset="0"/>
+                              </a:rPr>
+                            </m:ctrlPr>
+                          </m:naryPr>
+                          <m:sub/>
+                          <m:sup/>
+                          <m:e>
+                            <m:sSub>
+                              <m:sSubPr>
+                                <m:ctrlPr>
+                                  <a:rPr lang="en-US" altLang="zh-CN" i="1" smtClean="0">
+                                    <a:latin typeface="Cambria Math" panose="02040503050406030204" pitchFamily="18" charset="0"/>
+                                  </a:rPr>
+                                </m:ctrlPr>
+                              </m:sSubPr>
+                              <m:e>
+                                <m:r>
+                                  <a:rPr lang="en-US" altLang="zh-CN" b="0" i="1" smtClean="0">
+                                    <a:latin typeface="Cambria Math" panose="02040503050406030204" pitchFamily="18" charset="0"/>
+                                  </a:rPr>
+                                  <m:t>𝑥</m:t>
+                                </m:r>
+                              </m:e>
+                              <m:sub>
+                                <m:r>
+                                  <a:rPr lang="en-US" altLang="zh-CN" b="0" i="1" smtClean="0">
+                                    <a:latin typeface="Cambria Math" panose="02040503050406030204" pitchFamily="18" charset="0"/>
+                                  </a:rPr>
+                                  <m:t>𝑖</m:t>
+                                </m:r>
+                              </m:sub>
+                            </m:sSub>
+                            <m:sSub>
+                              <m:sSubPr>
+                                <m:ctrlPr>
+                                  <a:rPr lang="en-US" altLang="zh-CN" i="1" smtClean="0">
+                                    <a:latin typeface="Cambria Math" panose="02040503050406030204" pitchFamily="18" charset="0"/>
+                                  </a:rPr>
+                                </m:ctrlPr>
+                              </m:sSubPr>
+                              <m:e>
+                                <m:r>
+                                  <a:rPr lang="en-US" altLang="zh-CN" b="0" i="1" smtClean="0">
+                                    <a:latin typeface="Cambria Math" panose="02040503050406030204" pitchFamily="18" charset="0"/>
+                                  </a:rPr>
+                                  <m:t>𝑤</m:t>
+                                </m:r>
+                              </m:e>
+                              <m:sub>
+                                <m:r>
+                                  <a:rPr lang="en-US" altLang="zh-CN" b="0" i="1" smtClean="0">
+                                    <a:latin typeface="Cambria Math" panose="02040503050406030204" pitchFamily="18" charset="0"/>
+                                  </a:rPr>
+                                  <m:t>𝑖</m:t>
+                                </m:r>
+                              </m:sub>
+                            </m:sSub>
+                          </m:e>
+                        </m:nary>
+                      </m:oMath>
+                    </m:oMathPara>
+                  </a14:m>
+                  <a:endParaRPr lang="zh-CN" altLang="en-US" dirty="0"/>
+                </a:p>
+              </p:txBody>
+            </p:sp>
+          </mc:Choice>
+          <mc:Fallback>
+            <p:sp>
+              <p:nvSpPr>
+                <p:cNvPr id="32" name="文本框 31">
+                  <a:extLst>
+                    <a:ext uri="{FF2B5EF4-FFF2-40B4-BE49-F238E27FC236}">
+                      <a16:creationId xmlns:a16="http://schemas.microsoft.com/office/drawing/2014/main" id="{EE4988D9-03D4-4618-BDAD-2D15E987992C}"/>
+                    </a:ext>
+                  </a:extLst>
+                </p:cNvPr>
+                <p:cNvSpPr txBox="1">
+                  <a:spLocks noRot="1" noChangeAspect="1" noMove="1" noResize="1" noEditPoints="1" noAdjustHandles="1" noChangeArrowheads="1" noChangeShapeType="1" noTextEdit="1"/>
+                </p:cNvSpPr>
+                <p:nvPr/>
+              </p:nvSpPr>
+              <p:spPr>
+                <a:xfrm>
+                  <a:off x="3206135" y="1782293"/>
+                  <a:ext cx="839652" cy="670761"/>
+                </a:xfrm>
+                <a:prstGeom prst="rect">
+                  <a:avLst/>
+                </a:prstGeom>
+                <a:blipFill>
+                  <a:blip r:embed="rId2"/>
+                  <a:stretch>
+                    <a:fillRect/>
+                  </a:stretch>
+                </a:blipFill>
+              </p:spPr>
+              <p:txBody>
+                <a:bodyPr/>
+                <a:lstStyle/>
+                <a:p>
+                  <a:r>
+                    <a:rPr lang="zh-CN" altLang="en-US">
+                      <a:noFill/>
+                    </a:rPr>
+                    <a:t> </a:t>
+                  </a:r>
+                </a:p>
+              </p:txBody>
+            </p:sp>
+          </mc:Fallback>
+        </mc:AlternateContent>
+        <mc:AlternateContent xmlns:mc="http://schemas.openxmlformats.org/markup-compatibility/2006">
+          <mc:Choice xmlns:a14="http://schemas.microsoft.com/office/drawing/2010/main" Requires="a14">
+            <p:sp>
+              <p:nvSpPr>
+                <p:cNvPr id="33" name="文本框 32">
+                  <a:extLst>
+                    <a:ext uri="{FF2B5EF4-FFF2-40B4-BE49-F238E27FC236}">
+                      <a16:creationId xmlns:a16="http://schemas.microsoft.com/office/drawing/2014/main" id="{04DA21F3-808D-4E0F-A88B-D35BE08E8626}"/>
+                    </a:ext>
+                  </a:extLst>
+                </p:cNvPr>
+                <p:cNvSpPr txBox="1"/>
+                <p:nvPr/>
+              </p:nvSpPr>
+              <p:spPr>
+                <a:xfrm>
+                  <a:off x="4388418" y="1960463"/>
+                  <a:ext cx="195886" cy="276999"/>
+                </a:xfrm>
+                <a:prstGeom prst="rect">
+                  <a:avLst/>
+                </a:prstGeom>
+                <a:noFill/>
+              </p:spPr>
+              <p:txBody>
+                <a:bodyPr wrap="none" lIns="0" tIns="0" rIns="0" bIns="0" rtlCol="0">
+                  <a:spAutoFit/>
+                </a:bodyPr>
+                <a:lstStyle/>
+                <a:p>
+                  <a14:m>
+                    <m:oMathPara xmlns:m="http://schemas.openxmlformats.org/officeDocument/2006/math">
+                      <m:oMathParaPr>
+                        <m:jc m:val="centerGroup"/>
+                      </m:oMathParaPr>
+                      <m:oMath xmlns:m="http://schemas.openxmlformats.org/officeDocument/2006/math">
+                        <m:r>
+                          <a:rPr lang="en-US" altLang="zh-CN" b="0" i="1" smtClean="0">
+                            <a:latin typeface="Cambria Math" panose="02040503050406030204" pitchFamily="18" charset="0"/>
+                          </a:rPr>
+                          <m:t>𝑓</m:t>
+                        </m:r>
+                      </m:oMath>
+                    </m:oMathPara>
+                  </a14:m>
+                  <a:endParaRPr lang="zh-CN" altLang="en-US" dirty="0"/>
+                </a:p>
+              </p:txBody>
+            </p:sp>
+          </mc:Choice>
+          <mc:Fallback>
+            <p:sp>
+              <p:nvSpPr>
+                <p:cNvPr id="33" name="文本框 32">
+                  <a:extLst>
+                    <a:ext uri="{FF2B5EF4-FFF2-40B4-BE49-F238E27FC236}">
+                      <a16:creationId xmlns:a16="http://schemas.microsoft.com/office/drawing/2014/main" id="{04DA21F3-808D-4E0F-A88B-D35BE08E8626}"/>
+                    </a:ext>
+                  </a:extLst>
+                </p:cNvPr>
+                <p:cNvSpPr txBox="1">
+                  <a:spLocks noRot="1" noChangeAspect="1" noMove="1" noResize="1" noEditPoints="1" noAdjustHandles="1" noChangeArrowheads="1" noChangeShapeType="1" noTextEdit="1"/>
+                </p:cNvSpPr>
+                <p:nvPr/>
+              </p:nvSpPr>
+              <p:spPr>
+                <a:xfrm>
+                  <a:off x="4388418" y="1960463"/>
+                  <a:ext cx="195886" cy="276999"/>
+                </a:xfrm>
+                <a:prstGeom prst="rect">
+                  <a:avLst/>
+                </a:prstGeom>
+                <a:blipFill>
+                  <a:blip r:embed="rId3"/>
+                  <a:stretch>
+                    <a:fillRect l="-40625" t="-4444" r="-37500" b="-35556"/>
+                  </a:stretch>
+                </a:blipFill>
+              </p:spPr>
+              <p:txBody>
+                <a:bodyPr/>
+                <a:lstStyle/>
+                <a:p>
+                  <a:r>
+                    <a:rPr lang="zh-CN" altLang="en-US">
+                      <a:noFill/>
+                    </a:rPr>
+                    <a:t> </a:t>
+                  </a:r>
+                </a:p>
+              </p:txBody>
+            </p:sp>
+          </mc:Fallback>
+        </mc:AlternateContent>
+      </p:grpSp>
+    </p:spTree>
+    <p:extLst>
+      <p:ext uri="{BB962C8B-B14F-4D97-AF65-F5344CB8AC3E}">
+        <p14:creationId xmlns:p14="http://schemas.microsoft.com/office/powerpoint/2010/main" val="3911297401"/>
+      </p:ext>
+    </p:extLst>
+  </p:cSld>
+  <p:clrMapOvr>
+    <a:masterClrMapping/>
+  </p:clrMapOvr>
+</p:sld>
+</file>
+
 <file path=ppt/theme/theme1.xml><?xml version="1.0" encoding="utf-8"?>
 <a:theme xmlns:a="http://schemas.openxmlformats.org/drawingml/2006/main" name="Office 主题​​">
   <a:themeElements>

--- a/master/opening/imgs/img_maker.pptx
+++ b/master/opening/imgs/img_maker.pptx
@@ -278,7 +278,7 @@
           <a:p>
             <a:fld id="{221FC8FC-F17C-485E-8DF8-9DB113110BAE}" type="datetimeFigureOut">
               <a:rPr lang="zh-CN" altLang="en-US" smtClean="0"/>
-              <a:t>2018/7/14 Saturday</a:t>
+              <a:t>2018/7/15 Sunday</a:t>
             </a:fld>
             <a:endParaRPr lang="zh-CN" altLang="en-US"/>
           </a:p>
@@ -476,7 +476,7 @@
           <a:p>
             <a:fld id="{221FC8FC-F17C-485E-8DF8-9DB113110BAE}" type="datetimeFigureOut">
               <a:rPr lang="zh-CN" altLang="en-US" smtClean="0"/>
-              <a:t>2018/7/14 Saturday</a:t>
+              <a:t>2018/7/15 Sunday</a:t>
             </a:fld>
             <a:endParaRPr lang="zh-CN" altLang="en-US"/>
           </a:p>
@@ -684,7 +684,7 @@
           <a:p>
             <a:fld id="{221FC8FC-F17C-485E-8DF8-9DB113110BAE}" type="datetimeFigureOut">
               <a:rPr lang="zh-CN" altLang="en-US" smtClean="0"/>
-              <a:t>2018/7/14 Saturday</a:t>
+              <a:t>2018/7/15 Sunday</a:t>
             </a:fld>
             <a:endParaRPr lang="zh-CN" altLang="en-US"/>
           </a:p>
@@ -882,7 +882,7 @@
           <a:p>
             <a:fld id="{221FC8FC-F17C-485E-8DF8-9DB113110BAE}" type="datetimeFigureOut">
               <a:rPr lang="zh-CN" altLang="en-US" smtClean="0"/>
-              <a:t>2018/7/14 Saturday</a:t>
+              <a:t>2018/7/15 Sunday</a:t>
             </a:fld>
             <a:endParaRPr lang="zh-CN" altLang="en-US"/>
           </a:p>
@@ -1157,7 +1157,7 @@
           <a:p>
             <a:fld id="{221FC8FC-F17C-485E-8DF8-9DB113110BAE}" type="datetimeFigureOut">
               <a:rPr lang="zh-CN" altLang="en-US" smtClean="0"/>
-              <a:t>2018/7/14 Saturday</a:t>
+              <a:t>2018/7/15 Sunday</a:t>
             </a:fld>
             <a:endParaRPr lang="zh-CN" altLang="en-US"/>
           </a:p>
@@ -1422,7 +1422,7 @@
           <a:p>
             <a:fld id="{221FC8FC-F17C-485E-8DF8-9DB113110BAE}" type="datetimeFigureOut">
               <a:rPr lang="zh-CN" altLang="en-US" smtClean="0"/>
-              <a:t>2018/7/14 Saturday</a:t>
+              <a:t>2018/7/15 Sunday</a:t>
             </a:fld>
             <a:endParaRPr lang="zh-CN" altLang="en-US"/>
           </a:p>
@@ -1834,7 +1834,7 @@
           <a:p>
             <a:fld id="{221FC8FC-F17C-485E-8DF8-9DB113110BAE}" type="datetimeFigureOut">
               <a:rPr lang="zh-CN" altLang="en-US" smtClean="0"/>
-              <a:t>2018/7/14 Saturday</a:t>
+              <a:t>2018/7/15 Sunday</a:t>
             </a:fld>
             <a:endParaRPr lang="zh-CN" altLang="en-US"/>
           </a:p>
@@ -1975,7 +1975,7 @@
           <a:p>
             <a:fld id="{221FC8FC-F17C-485E-8DF8-9DB113110BAE}" type="datetimeFigureOut">
               <a:rPr lang="zh-CN" altLang="en-US" smtClean="0"/>
-              <a:t>2018/7/14 Saturday</a:t>
+              <a:t>2018/7/15 Sunday</a:t>
             </a:fld>
             <a:endParaRPr lang="zh-CN" altLang="en-US"/>
           </a:p>
@@ -2088,7 +2088,7 @@
           <a:p>
             <a:fld id="{221FC8FC-F17C-485E-8DF8-9DB113110BAE}" type="datetimeFigureOut">
               <a:rPr lang="zh-CN" altLang="en-US" smtClean="0"/>
-              <a:t>2018/7/14 Saturday</a:t>
+              <a:t>2018/7/15 Sunday</a:t>
             </a:fld>
             <a:endParaRPr lang="zh-CN" altLang="en-US"/>
           </a:p>
@@ -2399,7 +2399,7 @@
           <a:p>
             <a:fld id="{221FC8FC-F17C-485E-8DF8-9DB113110BAE}" type="datetimeFigureOut">
               <a:rPr lang="zh-CN" altLang="en-US" smtClean="0"/>
-              <a:t>2018/7/14 Saturday</a:t>
+              <a:t>2018/7/15 Sunday</a:t>
             </a:fld>
             <a:endParaRPr lang="zh-CN" altLang="en-US"/>
           </a:p>
@@ -2687,7 +2687,7 @@
           <a:p>
             <a:fld id="{221FC8FC-F17C-485E-8DF8-9DB113110BAE}" type="datetimeFigureOut">
               <a:rPr lang="zh-CN" altLang="en-US" smtClean="0"/>
-              <a:t>2018/7/14 Saturday</a:t>
+              <a:t>2018/7/15 Sunday</a:t>
             </a:fld>
             <a:endParaRPr lang="zh-CN" altLang="en-US"/>
           </a:p>
@@ -2928,7 +2928,7 @@
           <a:p>
             <a:fld id="{221FC8FC-F17C-485E-8DF8-9DB113110BAE}" type="datetimeFigureOut">
               <a:rPr lang="zh-CN" altLang="en-US" smtClean="0"/>
-              <a:t>2018/7/14 Saturday</a:t>
+              <a:t>2018/7/15 Sunday</a:t>
             </a:fld>
             <a:endParaRPr lang="zh-CN" altLang="en-US"/>
           </a:p>
@@ -4057,10 +4057,10 @@
       </p:grpSpPr>
       <p:grpSp>
         <p:nvGrpSpPr>
-          <p:cNvPr id="34" name="组合 33">
-            <a:extLst>
-              <a:ext uri="{FF2B5EF4-FFF2-40B4-BE49-F238E27FC236}">
-                <a16:creationId xmlns:a16="http://schemas.microsoft.com/office/drawing/2014/main" id="{CE90443E-FBEB-49A2-8D4E-5C81D34EF963}"/>
+          <p:cNvPr id="5" name="组合 4">
+            <a:extLst>
+              <a:ext uri="{FF2B5EF4-FFF2-40B4-BE49-F238E27FC236}">
+                <a16:creationId xmlns:a16="http://schemas.microsoft.com/office/drawing/2014/main" id="{526CEBA4-A798-47A9-B0C7-954E9010C119}"/>
               </a:ext>
             </a:extLst>
           </p:cNvPr>
@@ -4070,749 +4070,1024 @@
         <p:grpSpPr>
           <a:xfrm>
             <a:off x="1576338" y="441401"/>
-            <a:ext cx="4170549" cy="3218575"/>
+            <a:ext cx="4170549" cy="2773248"/>
             <a:chOff x="1576338" y="441401"/>
-            <a:chExt cx="4170549" cy="3218575"/>
+            <a:chExt cx="4170549" cy="2773248"/>
           </a:xfrm>
         </p:grpSpPr>
-        <p:sp>
-          <p:nvSpPr>
-            <p:cNvPr id="4" name="椭圆 3">
+        <p:grpSp>
+          <p:nvGrpSpPr>
+            <p:cNvPr id="34" name="组合 33">
               <a:extLst>
                 <a:ext uri="{FF2B5EF4-FFF2-40B4-BE49-F238E27FC236}">
-                  <a16:creationId xmlns:a16="http://schemas.microsoft.com/office/drawing/2014/main" id="{AEEC100C-E4A1-4448-9033-3C5225B99F32}"/>
+                  <a16:creationId xmlns:a16="http://schemas.microsoft.com/office/drawing/2014/main" id="{CE90443E-FBEB-49A2-8D4E-5C81D34EF963}"/>
                 </a:ext>
               </a:extLst>
             </p:cNvPr>
-            <p:cNvSpPr/>
+            <p:cNvGrpSpPr/>
             <p:nvPr/>
-          </p:nvSpPr>
-          <p:spPr>
+          </p:nvGrpSpPr>
+          <p:grpSpPr>
             <a:xfrm>
-              <a:off x="3167149" y="1504603"/>
-              <a:ext cx="1762298" cy="1188720"/>
+              <a:off x="1576338" y="441401"/>
+              <a:ext cx="4170549" cy="2773248"/>
+              <a:chOff x="1576338" y="441401"/>
+              <a:chExt cx="4170549" cy="2773248"/>
             </a:xfrm>
-            <a:prstGeom prst="ellipse">
-              <a:avLst/>
-            </a:prstGeom>
-          </p:spPr>
-          <p:style>
-            <a:lnRef idx="2">
-              <a:schemeClr val="accent1">
-                <a:shade val="50000"/>
-              </a:schemeClr>
-            </a:lnRef>
-            <a:fillRef idx="1">
-              <a:schemeClr val="accent1"/>
-            </a:fillRef>
-            <a:effectRef idx="0">
-              <a:schemeClr val="accent1"/>
-            </a:effectRef>
-            <a:fontRef idx="minor">
-              <a:schemeClr val="lt1"/>
-            </a:fontRef>
-          </p:style>
-          <p:txBody>
-            <a:bodyPr rtlCol="0" anchor="ctr"/>
-            <a:lstStyle/>
-            <a:p>
-              <a:pPr algn="ctr"/>
-              <a:endParaRPr lang="zh-CN" altLang="en-US"/>
-            </a:p>
-          </p:txBody>
-        </p:sp>
-        <p:cxnSp>
-          <p:nvCxnSpPr>
-            <p:cNvPr id="6" name="直接箭头连接符 5">
-              <a:extLst>
-                <a:ext uri="{FF2B5EF4-FFF2-40B4-BE49-F238E27FC236}">
-                  <a16:creationId xmlns:a16="http://schemas.microsoft.com/office/drawing/2014/main" id="{FC69AFFB-3F34-4C3B-857D-3D044FFB9779}"/>
-                </a:ext>
-              </a:extLst>
-            </p:cNvPr>
-            <p:cNvCxnSpPr>
-              <a:endCxn id="4" idx="1"/>
-            </p:cNvCxnSpPr>
-            <p:nvPr/>
-          </p:nvCxnSpPr>
-          <p:spPr>
-            <a:xfrm>
-              <a:off x="1961804" y="897775"/>
-              <a:ext cx="1463428" cy="780912"/>
-            </a:xfrm>
-            <a:prstGeom prst="straightConnector1">
-              <a:avLst/>
-            </a:prstGeom>
-            <a:ln>
-              <a:tailEnd type="triangle"/>
-            </a:ln>
-          </p:spPr>
-          <p:style>
-            <a:lnRef idx="1">
-              <a:schemeClr val="accent1"/>
-            </a:lnRef>
-            <a:fillRef idx="0">
-              <a:schemeClr val="accent1"/>
-            </a:fillRef>
-            <a:effectRef idx="0">
-              <a:schemeClr val="accent1"/>
-            </a:effectRef>
-            <a:fontRef idx="minor">
-              <a:schemeClr val="tx1"/>
-            </a:fontRef>
-          </p:style>
-        </p:cxnSp>
-        <p:cxnSp>
-          <p:nvCxnSpPr>
-            <p:cNvPr id="7" name="直接箭头连接符 6">
-              <a:extLst>
-                <a:ext uri="{FF2B5EF4-FFF2-40B4-BE49-F238E27FC236}">
-                  <a16:creationId xmlns:a16="http://schemas.microsoft.com/office/drawing/2014/main" id="{A0747685-7675-43BB-86A8-51BC4186B790}"/>
-                </a:ext>
-              </a:extLst>
-            </p:cNvPr>
-            <p:cNvCxnSpPr>
-              <a:cxnSpLocks/>
-              <a:endCxn id="4" idx="0"/>
-            </p:cNvCxnSpPr>
-            <p:nvPr/>
-          </p:nvCxnSpPr>
-          <p:spPr>
-            <a:xfrm>
-              <a:off x="1999017" y="723691"/>
-              <a:ext cx="2049281" cy="780912"/>
-            </a:xfrm>
-            <a:prstGeom prst="straightConnector1">
-              <a:avLst/>
-            </a:prstGeom>
-            <a:ln>
-              <a:tailEnd type="triangle"/>
-            </a:ln>
-          </p:spPr>
-          <p:style>
-            <a:lnRef idx="1">
-              <a:schemeClr val="accent1"/>
-            </a:lnRef>
-            <a:fillRef idx="0">
-              <a:schemeClr val="accent1"/>
-            </a:fillRef>
-            <a:effectRef idx="0">
-              <a:schemeClr val="accent1"/>
-            </a:effectRef>
-            <a:fontRef idx="minor">
-              <a:schemeClr val="tx1"/>
-            </a:fontRef>
-          </p:style>
-        </p:cxnSp>
-        <p:cxnSp>
-          <p:nvCxnSpPr>
-            <p:cNvPr id="9" name="直接箭头连接符 8">
-              <a:extLst>
-                <a:ext uri="{FF2B5EF4-FFF2-40B4-BE49-F238E27FC236}">
-                  <a16:creationId xmlns:a16="http://schemas.microsoft.com/office/drawing/2014/main" id="{3FDDB54B-D66F-41CF-AB05-B03C8609F8CA}"/>
-                </a:ext>
-              </a:extLst>
-            </p:cNvPr>
-            <p:cNvCxnSpPr>
-              <a:cxnSpLocks/>
-              <a:endCxn id="4" idx="4"/>
-            </p:cNvCxnSpPr>
-            <p:nvPr/>
-          </p:nvCxnSpPr>
-          <p:spPr>
-            <a:xfrm flipV="1">
-              <a:off x="2018413" y="2693323"/>
-              <a:ext cx="2029885" cy="440575"/>
-            </a:xfrm>
-            <a:prstGeom prst="straightConnector1">
-              <a:avLst/>
-            </a:prstGeom>
-            <a:ln>
-              <a:tailEnd type="triangle"/>
-            </a:ln>
-          </p:spPr>
-          <p:style>
-            <a:lnRef idx="1">
-              <a:schemeClr val="accent1"/>
-            </a:lnRef>
-            <a:fillRef idx="0">
-              <a:schemeClr val="accent1"/>
-            </a:fillRef>
-            <a:effectRef idx="0">
-              <a:schemeClr val="accent1"/>
-            </a:effectRef>
-            <a:fontRef idx="minor">
-              <a:schemeClr val="tx1"/>
-            </a:fontRef>
-          </p:style>
-        </p:cxnSp>
-        <p:cxnSp>
-          <p:nvCxnSpPr>
-            <p:cNvPr id="10" name="直接箭头连接符 9">
-              <a:extLst>
-                <a:ext uri="{FF2B5EF4-FFF2-40B4-BE49-F238E27FC236}">
-                  <a16:creationId xmlns:a16="http://schemas.microsoft.com/office/drawing/2014/main" id="{484C709E-F36E-4F72-8881-2845FA6701E2}"/>
-                </a:ext>
-              </a:extLst>
-            </p:cNvPr>
-            <p:cNvCxnSpPr>
-              <a:cxnSpLocks/>
-              <a:endCxn id="4" idx="3"/>
-            </p:cNvCxnSpPr>
-            <p:nvPr/>
-          </p:nvCxnSpPr>
-          <p:spPr>
-            <a:xfrm flipV="1">
-              <a:off x="2018413" y="2519239"/>
-              <a:ext cx="1406819" cy="445634"/>
-            </a:xfrm>
-            <a:prstGeom prst="straightConnector1">
-              <a:avLst/>
-            </a:prstGeom>
-            <a:ln>
-              <a:tailEnd type="triangle"/>
-            </a:ln>
-          </p:spPr>
-          <p:style>
-            <a:lnRef idx="1">
-              <a:schemeClr val="accent1"/>
-            </a:lnRef>
-            <a:fillRef idx="0">
-              <a:schemeClr val="accent1"/>
-            </a:fillRef>
-            <a:effectRef idx="0">
-              <a:schemeClr val="accent1"/>
-            </a:effectRef>
-            <a:fontRef idx="minor">
-              <a:schemeClr val="tx1"/>
-            </a:fontRef>
-          </p:style>
-        </p:cxnSp>
-        <p:sp>
-          <p:nvSpPr>
-            <p:cNvPr id="14" name="文本框 13">
-              <a:extLst>
-                <a:ext uri="{FF2B5EF4-FFF2-40B4-BE49-F238E27FC236}">
-                  <a16:creationId xmlns:a16="http://schemas.microsoft.com/office/drawing/2014/main" id="{B83F109F-DC19-4BF0-B932-F4D6F537F319}"/>
-                </a:ext>
-              </a:extLst>
-            </p:cNvPr>
-            <p:cNvSpPr txBox="1"/>
-            <p:nvPr/>
-          </p:nvSpPr>
-          <p:spPr>
-            <a:xfrm>
-              <a:off x="1613975" y="441401"/>
-              <a:ext cx="385042" cy="369332"/>
-            </a:xfrm>
-            <a:prstGeom prst="rect">
-              <a:avLst/>
-            </a:prstGeom>
-            <a:noFill/>
-          </p:spPr>
-          <p:txBody>
-            <a:bodyPr wrap="none" rtlCol="0">
-              <a:spAutoFit/>
-            </a:bodyPr>
-            <a:lstStyle/>
-            <a:p>
-              <a:r>
-                <a:rPr lang="en-US" altLang="zh-CN" b="1" dirty="0"/>
-                <a:t>x</a:t>
-              </a:r>
-              <a:r>
-                <a:rPr lang="en-US" altLang="zh-CN" b="1" baseline="-25000" dirty="0"/>
-                <a:t>1</a:t>
-              </a:r>
-              <a:endParaRPr lang="zh-CN" altLang="en-US" b="1" baseline="-25000" dirty="0"/>
-            </a:p>
-          </p:txBody>
-        </p:sp>
-        <p:sp>
-          <p:nvSpPr>
-            <p:cNvPr id="15" name="文本框 14">
-              <a:extLst>
-                <a:ext uri="{FF2B5EF4-FFF2-40B4-BE49-F238E27FC236}">
-                  <a16:creationId xmlns:a16="http://schemas.microsoft.com/office/drawing/2014/main" id="{ABE69AA3-35C5-4F55-A6BD-54C10502730C}"/>
-                </a:ext>
-              </a:extLst>
-            </p:cNvPr>
-            <p:cNvSpPr txBox="1"/>
-            <p:nvPr/>
-          </p:nvSpPr>
-          <p:spPr>
-            <a:xfrm>
-              <a:off x="1613587" y="653040"/>
-              <a:ext cx="385042" cy="369332"/>
-            </a:xfrm>
-            <a:prstGeom prst="rect">
-              <a:avLst/>
-            </a:prstGeom>
-            <a:noFill/>
-          </p:spPr>
-          <p:txBody>
-            <a:bodyPr wrap="none" rtlCol="0">
-              <a:spAutoFit/>
-            </a:bodyPr>
-            <a:lstStyle/>
-            <a:p>
-              <a:r>
-                <a:rPr lang="en-US" altLang="zh-CN" b="1" dirty="0"/>
-                <a:t>x</a:t>
-              </a:r>
-              <a:r>
-                <a:rPr lang="en-US" altLang="zh-CN" b="1" baseline="-25000" dirty="0"/>
-                <a:t>2</a:t>
-              </a:r>
-              <a:endParaRPr lang="zh-CN" altLang="en-US" b="1" baseline="-25000" dirty="0"/>
-            </a:p>
-          </p:txBody>
-        </p:sp>
-        <p:sp>
-          <p:nvSpPr>
-            <p:cNvPr id="16" name="文本框 15">
-              <a:extLst>
-                <a:ext uri="{FF2B5EF4-FFF2-40B4-BE49-F238E27FC236}">
-                  <a16:creationId xmlns:a16="http://schemas.microsoft.com/office/drawing/2014/main" id="{69BA4731-9633-4159-86AB-E8E87AB13B2E}"/>
-                </a:ext>
-              </a:extLst>
-            </p:cNvPr>
-            <p:cNvSpPr txBox="1"/>
-            <p:nvPr/>
-          </p:nvSpPr>
-          <p:spPr>
-            <a:xfrm>
-              <a:off x="1662934" y="2680054"/>
-              <a:ext cx="546945" cy="307777"/>
-            </a:xfrm>
-            <a:prstGeom prst="rect">
-              <a:avLst/>
-            </a:prstGeom>
-            <a:noFill/>
-          </p:spPr>
-          <p:txBody>
-            <a:bodyPr wrap="none" rtlCol="0">
-              <a:spAutoFit/>
-            </a:bodyPr>
-            <a:lstStyle/>
-            <a:p>
-              <a:r>
-                <a:rPr lang="en-US" altLang="zh-CN" sz="1400" b="1" dirty="0"/>
-                <a:t>X</a:t>
-              </a:r>
-              <a:r>
-                <a:rPr lang="en-US" altLang="zh-CN" b="1" baseline="-25000" dirty="0"/>
-                <a:t>n-1</a:t>
-              </a:r>
-              <a:endParaRPr lang="zh-CN" altLang="en-US" b="1" baseline="-25000" dirty="0"/>
-            </a:p>
-          </p:txBody>
-        </p:sp>
-        <p:sp>
-          <p:nvSpPr>
-            <p:cNvPr id="17" name="文本框 16">
-              <a:extLst>
-                <a:ext uri="{FF2B5EF4-FFF2-40B4-BE49-F238E27FC236}">
-                  <a16:creationId xmlns:a16="http://schemas.microsoft.com/office/drawing/2014/main" id="{BA94804D-C022-4A8E-9331-F8BAFFD00015}"/>
-                </a:ext>
-              </a:extLst>
-            </p:cNvPr>
-            <p:cNvSpPr txBox="1"/>
-            <p:nvPr/>
-          </p:nvSpPr>
-          <p:spPr>
-            <a:xfrm>
-              <a:off x="1648153" y="2845317"/>
-              <a:ext cx="389850" cy="369332"/>
-            </a:xfrm>
-            <a:prstGeom prst="rect">
-              <a:avLst/>
-            </a:prstGeom>
-            <a:noFill/>
-          </p:spPr>
-          <p:txBody>
-            <a:bodyPr wrap="none" rtlCol="0">
-              <a:spAutoFit/>
-            </a:bodyPr>
-            <a:lstStyle/>
-            <a:p>
-              <a:r>
-                <a:rPr lang="en-US" altLang="zh-CN" b="1" dirty="0" err="1"/>
-                <a:t>x</a:t>
-              </a:r>
-              <a:r>
-                <a:rPr lang="en-US" altLang="zh-CN" b="1" baseline="-25000" dirty="0" err="1"/>
-                <a:t>n</a:t>
-              </a:r>
-              <a:endParaRPr lang="zh-CN" altLang="en-US" b="1" baseline="-25000" dirty="0"/>
-            </a:p>
-          </p:txBody>
-        </p:sp>
-        <p:sp>
-          <p:nvSpPr>
-            <p:cNvPr id="18" name="文本框 17">
-              <a:extLst>
-                <a:ext uri="{FF2B5EF4-FFF2-40B4-BE49-F238E27FC236}">
-                  <a16:creationId xmlns:a16="http://schemas.microsoft.com/office/drawing/2014/main" id="{27E7E6CC-55EC-4FCE-A70D-9EE83B08A9DD}"/>
-                </a:ext>
-              </a:extLst>
-            </p:cNvPr>
-            <p:cNvSpPr txBox="1"/>
-            <p:nvPr/>
-          </p:nvSpPr>
-          <p:spPr>
-            <a:xfrm>
-              <a:off x="1576338" y="1909889"/>
-              <a:ext cx="461665" cy="254237"/>
-            </a:xfrm>
-            <a:prstGeom prst="rect">
-              <a:avLst/>
-            </a:prstGeom>
-            <a:noFill/>
-          </p:spPr>
-          <p:txBody>
-            <a:bodyPr vert="eaVert" wrap="none" rtlCol="0">
-              <a:spAutoFit/>
-            </a:bodyPr>
-            <a:lstStyle/>
-            <a:p>
-              <a:r>
-                <a:rPr lang="en-US" altLang="zh-CN" dirty="0"/>
-                <a:t>…</a:t>
-              </a:r>
-              <a:endParaRPr lang="zh-CN" altLang="en-US" dirty="0"/>
-            </a:p>
-          </p:txBody>
-        </p:sp>
-        <p:sp>
-          <p:nvSpPr>
-            <p:cNvPr id="20" name="文本框 19">
-              <a:extLst>
-                <a:ext uri="{FF2B5EF4-FFF2-40B4-BE49-F238E27FC236}">
-                  <a16:creationId xmlns:a16="http://schemas.microsoft.com/office/drawing/2014/main" id="{F921CA31-380A-4834-9329-771AA2100EF1}"/>
-                </a:ext>
-              </a:extLst>
-            </p:cNvPr>
-            <p:cNvSpPr txBox="1"/>
-            <p:nvPr/>
-          </p:nvSpPr>
-          <p:spPr>
-            <a:xfrm>
-              <a:off x="2801093" y="773049"/>
-              <a:ext cx="444352" cy="369332"/>
-            </a:xfrm>
-            <a:prstGeom prst="rect">
-              <a:avLst/>
-            </a:prstGeom>
-            <a:noFill/>
-          </p:spPr>
-          <p:txBody>
-            <a:bodyPr wrap="none" rtlCol="0">
-              <a:spAutoFit/>
-            </a:bodyPr>
-            <a:lstStyle/>
-            <a:p>
-              <a:r>
-                <a:rPr lang="en-US" altLang="zh-CN" b="1" dirty="0"/>
-                <a:t>w</a:t>
-              </a:r>
-              <a:r>
-                <a:rPr lang="en-US" altLang="zh-CN" b="1" baseline="-25000" dirty="0"/>
-                <a:t>1</a:t>
-              </a:r>
-              <a:endParaRPr lang="zh-CN" altLang="en-US" b="1" baseline="-25000" dirty="0"/>
-            </a:p>
-          </p:txBody>
-        </p:sp>
-        <p:sp>
-          <p:nvSpPr>
-            <p:cNvPr id="21" name="文本框 20">
-              <a:extLst>
-                <a:ext uri="{FF2B5EF4-FFF2-40B4-BE49-F238E27FC236}">
-                  <a16:creationId xmlns:a16="http://schemas.microsoft.com/office/drawing/2014/main" id="{BC154E26-E3E9-4AFE-A782-C7CA3357B8AF}"/>
-                </a:ext>
-              </a:extLst>
-            </p:cNvPr>
-            <p:cNvSpPr txBox="1"/>
-            <p:nvPr/>
-          </p:nvSpPr>
-          <p:spPr>
-            <a:xfrm>
-              <a:off x="2801093" y="1064028"/>
-              <a:ext cx="444352" cy="369332"/>
-            </a:xfrm>
-            <a:prstGeom prst="rect">
-              <a:avLst/>
-            </a:prstGeom>
-            <a:noFill/>
-          </p:spPr>
-          <p:txBody>
-            <a:bodyPr wrap="none" rtlCol="0">
-              <a:spAutoFit/>
-            </a:bodyPr>
-            <a:lstStyle/>
-            <a:p>
-              <a:r>
-                <a:rPr lang="en-US" altLang="zh-CN" b="1" dirty="0"/>
-                <a:t>w</a:t>
-              </a:r>
-              <a:r>
-                <a:rPr lang="en-US" altLang="zh-CN" b="1" baseline="-25000" dirty="0"/>
-                <a:t>2</a:t>
-              </a:r>
-              <a:endParaRPr lang="zh-CN" altLang="en-US" b="1" baseline="-25000" dirty="0"/>
-            </a:p>
-          </p:txBody>
-        </p:sp>
-        <p:sp>
-          <p:nvSpPr>
-            <p:cNvPr id="22" name="文本框 21">
-              <a:extLst>
-                <a:ext uri="{FF2B5EF4-FFF2-40B4-BE49-F238E27FC236}">
-                  <a16:creationId xmlns:a16="http://schemas.microsoft.com/office/drawing/2014/main" id="{47352B70-D1FB-4762-8FBC-B3A20905E1EC}"/>
-                </a:ext>
-              </a:extLst>
-            </p:cNvPr>
-            <p:cNvSpPr txBox="1"/>
-            <p:nvPr/>
-          </p:nvSpPr>
-          <p:spPr>
-            <a:xfrm>
-              <a:off x="2801093" y="2345081"/>
-              <a:ext cx="609462" cy="307777"/>
-            </a:xfrm>
-            <a:prstGeom prst="rect">
-              <a:avLst/>
-            </a:prstGeom>
-            <a:noFill/>
-          </p:spPr>
-          <p:txBody>
-            <a:bodyPr wrap="none" rtlCol="0">
-              <a:spAutoFit/>
-            </a:bodyPr>
-            <a:lstStyle/>
-            <a:p>
-              <a:r>
-                <a:rPr lang="en-US" altLang="zh-CN" sz="1400" b="1" dirty="0"/>
-                <a:t>W</a:t>
-              </a:r>
-              <a:r>
-                <a:rPr lang="en-US" altLang="zh-CN" b="1" baseline="-25000" dirty="0"/>
-                <a:t>n-1</a:t>
-              </a:r>
-              <a:endParaRPr lang="zh-CN" altLang="en-US" b="1" baseline="-25000" dirty="0"/>
-            </a:p>
-          </p:txBody>
-        </p:sp>
-        <p:sp>
-          <p:nvSpPr>
-            <p:cNvPr id="23" name="文本框 22">
-              <a:extLst>
-                <a:ext uri="{FF2B5EF4-FFF2-40B4-BE49-F238E27FC236}">
-                  <a16:creationId xmlns:a16="http://schemas.microsoft.com/office/drawing/2014/main" id="{F7CA6985-5A9F-452E-B055-F8F901756A90}"/>
-                </a:ext>
-              </a:extLst>
-            </p:cNvPr>
-            <p:cNvSpPr txBox="1"/>
-            <p:nvPr/>
-          </p:nvSpPr>
-          <p:spPr>
-            <a:xfrm>
-              <a:off x="2801093" y="2608810"/>
-              <a:ext cx="449162" cy="369332"/>
-            </a:xfrm>
-            <a:prstGeom prst="rect">
-              <a:avLst/>
-            </a:prstGeom>
-            <a:noFill/>
-          </p:spPr>
-          <p:txBody>
-            <a:bodyPr wrap="none" rtlCol="0">
-              <a:spAutoFit/>
-            </a:bodyPr>
-            <a:lstStyle/>
-            <a:p>
-              <a:r>
-                <a:rPr lang="en-US" altLang="zh-CN" b="1" dirty="0" err="1"/>
-                <a:t>w</a:t>
-              </a:r>
-              <a:r>
-                <a:rPr lang="en-US" altLang="zh-CN" b="1" baseline="-25000" dirty="0" err="1"/>
-                <a:t>n</a:t>
-              </a:r>
-              <a:endParaRPr lang="zh-CN" altLang="en-US" b="1" baseline="-25000" dirty="0"/>
-            </a:p>
-          </p:txBody>
-        </p:sp>
-        <p:cxnSp>
-          <p:nvCxnSpPr>
-            <p:cNvPr id="25" name="直接箭头连接符 24">
-              <a:extLst>
-                <a:ext uri="{FF2B5EF4-FFF2-40B4-BE49-F238E27FC236}">
-                  <a16:creationId xmlns:a16="http://schemas.microsoft.com/office/drawing/2014/main" id="{9EF0F5AB-545C-45DA-8756-A713A5D90797}"/>
-                </a:ext>
-              </a:extLst>
-            </p:cNvPr>
-            <p:cNvCxnSpPr/>
-            <p:nvPr/>
-          </p:nvCxnSpPr>
-          <p:spPr>
-            <a:xfrm flipV="1">
-              <a:off x="4048298" y="2693323"/>
-              <a:ext cx="0" cy="966653"/>
-            </a:xfrm>
-            <a:prstGeom prst="straightConnector1">
-              <a:avLst/>
-            </a:prstGeom>
-            <a:ln>
-              <a:tailEnd type="triangle"/>
-            </a:ln>
-          </p:spPr>
-          <p:style>
-            <a:lnRef idx="1">
-              <a:schemeClr val="accent1"/>
-            </a:lnRef>
-            <a:fillRef idx="0">
-              <a:schemeClr val="accent1"/>
-            </a:fillRef>
-            <a:effectRef idx="0">
-              <a:schemeClr val="accent1"/>
-            </a:effectRef>
-            <a:fontRef idx="minor">
-              <a:schemeClr val="tx1"/>
-            </a:fontRef>
-          </p:style>
-        </p:cxnSp>
-        <p:cxnSp>
-          <p:nvCxnSpPr>
-            <p:cNvPr id="27" name="直接连接符 26">
-              <a:extLst>
-                <a:ext uri="{FF2B5EF4-FFF2-40B4-BE49-F238E27FC236}">
-                  <a16:creationId xmlns:a16="http://schemas.microsoft.com/office/drawing/2014/main" id="{B925A51C-AA42-4481-840C-D668BECB54DA}"/>
-                </a:ext>
-              </a:extLst>
-            </p:cNvPr>
-            <p:cNvCxnSpPr>
-              <a:stCxn id="4" idx="0"/>
-              <a:endCxn id="4" idx="4"/>
-            </p:cNvCxnSpPr>
-            <p:nvPr/>
-          </p:nvCxnSpPr>
-          <p:spPr>
-            <a:xfrm>
-              <a:off x="4048298" y="1504603"/>
-              <a:ext cx="0" cy="1188720"/>
-            </a:xfrm>
-            <a:prstGeom prst="line">
-              <a:avLst/>
-            </a:prstGeom>
-            <a:ln w="28575">
-              <a:solidFill>
+          </p:grpSpPr>
+          <p:sp>
+            <p:nvSpPr>
+              <p:cNvPr id="4" name="椭圆 3">
+                <a:extLst>
+                  <a:ext uri="{FF2B5EF4-FFF2-40B4-BE49-F238E27FC236}">
+                    <a16:creationId xmlns:a16="http://schemas.microsoft.com/office/drawing/2014/main" id="{AEEC100C-E4A1-4448-9033-3C5225B99F32}"/>
+                  </a:ext>
+                </a:extLst>
+              </p:cNvPr>
+              <p:cNvSpPr/>
+              <p:nvPr/>
+            </p:nvSpPr>
+            <p:spPr>
+              <a:xfrm>
+                <a:off x="3167149" y="1504603"/>
+                <a:ext cx="1762298" cy="1188720"/>
+              </a:xfrm>
+              <a:prstGeom prst="ellipse">
+                <a:avLst/>
+              </a:prstGeom>
+            </p:spPr>
+            <p:style>
+              <a:lnRef idx="2">
+                <a:schemeClr val="accent1">
+                  <a:shade val="50000"/>
+                </a:schemeClr>
+              </a:lnRef>
+              <a:fillRef idx="1">
+                <a:schemeClr val="accent1"/>
+              </a:fillRef>
+              <a:effectRef idx="0">
+                <a:schemeClr val="accent1"/>
+              </a:effectRef>
+              <a:fontRef idx="minor">
+                <a:schemeClr val="lt1"/>
+              </a:fontRef>
+            </p:style>
+            <p:txBody>
+              <a:bodyPr rtlCol="0" anchor="ctr"/>
+              <a:lstStyle/>
+              <a:p>
+                <a:pPr algn="ctr"/>
+                <a:endParaRPr lang="zh-CN" altLang="en-US"/>
+              </a:p>
+            </p:txBody>
+          </p:sp>
+          <p:cxnSp>
+            <p:nvCxnSpPr>
+              <p:cNvPr id="6" name="直接箭头连接符 5">
+                <a:extLst>
+                  <a:ext uri="{FF2B5EF4-FFF2-40B4-BE49-F238E27FC236}">
+                    <a16:creationId xmlns:a16="http://schemas.microsoft.com/office/drawing/2014/main" id="{FC69AFFB-3F34-4C3B-857D-3D044FFB9779}"/>
+                  </a:ext>
+                </a:extLst>
+              </p:cNvPr>
+              <p:cNvCxnSpPr>
+                <a:endCxn id="4" idx="1"/>
+              </p:cNvCxnSpPr>
+              <p:nvPr/>
+            </p:nvCxnSpPr>
+            <p:spPr>
+              <a:xfrm>
+                <a:off x="1961804" y="897775"/>
+                <a:ext cx="1463428" cy="780912"/>
+              </a:xfrm>
+              <a:prstGeom prst="straightConnector1">
+                <a:avLst/>
+              </a:prstGeom>
+              <a:ln>
+                <a:tailEnd type="triangle"/>
+              </a:ln>
+            </p:spPr>
+            <p:style>
+              <a:lnRef idx="1">
+                <a:schemeClr val="accent1"/>
+              </a:lnRef>
+              <a:fillRef idx="0">
+                <a:schemeClr val="accent1"/>
+              </a:fillRef>
+              <a:effectRef idx="0">
+                <a:schemeClr val="accent1"/>
+              </a:effectRef>
+              <a:fontRef idx="minor">
                 <a:schemeClr val="tx1"/>
-              </a:solidFill>
-            </a:ln>
-          </p:spPr>
-          <p:style>
-            <a:lnRef idx="1">
-              <a:schemeClr val="accent1"/>
-            </a:lnRef>
-            <a:fillRef idx="0">
-              <a:schemeClr val="accent1"/>
-            </a:fillRef>
-            <a:effectRef idx="0">
-              <a:schemeClr val="accent1"/>
-            </a:effectRef>
-            <a:fontRef idx="minor">
-              <a:schemeClr val="tx1"/>
-            </a:fontRef>
-          </p:style>
-        </p:cxnSp>
-        <p:cxnSp>
-          <p:nvCxnSpPr>
-            <p:cNvPr id="29" name="直接箭头连接符 28">
-              <a:extLst>
-                <a:ext uri="{FF2B5EF4-FFF2-40B4-BE49-F238E27FC236}">
-                  <a16:creationId xmlns:a16="http://schemas.microsoft.com/office/drawing/2014/main" id="{9B4591E4-F7D4-4547-A57C-AC30BADFF629}"/>
-                </a:ext>
-              </a:extLst>
-            </p:cNvPr>
-            <p:cNvCxnSpPr>
-              <a:cxnSpLocks/>
-              <a:stCxn id="4" idx="6"/>
-            </p:cNvCxnSpPr>
-            <p:nvPr/>
-          </p:nvCxnSpPr>
-          <p:spPr>
-            <a:xfrm>
-              <a:off x="4929447" y="2098963"/>
-              <a:ext cx="515389" cy="0"/>
-            </a:xfrm>
-            <a:prstGeom prst="straightConnector1">
-              <a:avLst/>
-            </a:prstGeom>
-            <a:ln>
-              <a:tailEnd type="triangle"/>
-            </a:ln>
-          </p:spPr>
-          <p:style>
-            <a:lnRef idx="1">
-              <a:schemeClr val="accent1"/>
-            </a:lnRef>
-            <a:fillRef idx="0">
-              <a:schemeClr val="accent1"/>
-            </a:fillRef>
-            <a:effectRef idx="0">
-              <a:schemeClr val="accent1"/>
-            </a:effectRef>
-            <a:fontRef idx="minor">
-              <a:schemeClr val="tx1"/>
-            </a:fontRef>
-          </p:style>
-        </p:cxnSp>
-        <p:sp>
-          <p:nvSpPr>
-            <p:cNvPr id="31" name="文本框 30">
-              <a:extLst>
-                <a:ext uri="{FF2B5EF4-FFF2-40B4-BE49-F238E27FC236}">
-                  <a16:creationId xmlns:a16="http://schemas.microsoft.com/office/drawing/2014/main" id="{D1BE0714-26EA-4FBB-A9E3-C61BA1934E7A}"/>
-                </a:ext>
-              </a:extLst>
-            </p:cNvPr>
-            <p:cNvSpPr txBox="1"/>
-            <p:nvPr/>
-          </p:nvSpPr>
-          <p:spPr>
-            <a:xfrm>
-              <a:off x="5387493" y="1893263"/>
-              <a:ext cx="359394" cy="369332"/>
-            </a:xfrm>
-            <a:prstGeom prst="rect">
-              <a:avLst/>
-            </a:prstGeom>
-            <a:noFill/>
-          </p:spPr>
-          <p:txBody>
-            <a:bodyPr wrap="none" rtlCol="0">
-              <a:spAutoFit/>
-            </a:bodyPr>
-            <a:lstStyle/>
-            <a:p>
-              <a:r>
-                <a:rPr lang="en-US" altLang="zh-CN" b="1" dirty="0"/>
-                <a:t>O</a:t>
-              </a:r>
-              <a:endParaRPr lang="zh-CN" altLang="en-US" b="1" dirty="0"/>
-            </a:p>
-          </p:txBody>
-        </p:sp>
+              </a:fontRef>
+            </p:style>
+          </p:cxnSp>
+          <p:cxnSp>
+            <p:nvCxnSpPr>
+              <p:cNvPr id="7" name="直接箭头连接符 6">
+                <a:extLst>
+                  <a:ext uri="{FF2B5EF4-FFF2-40B4-BE49-F238E27FC236}">
+                    <a16:creationId xmlns:a16="http://schemas.microsoft.com/office/drawing/2014/main" id="{A0747685-7675-43BB-86A8-51BC4186B790}"/>
+                  </a:ext>
+                </a:extLst>
+              </p:cNvPr>
+              <p:cNvCxnSpPr>
+                <a:cxnSpLocks/>
+                <a:endCxn id="4" idx="0"/>
+              </p:cNvCxnSpPr>
+              <p:nvPr/>
+            </p:nvCxnSpPr>
+            <p:spPr>
+              <a:xfrm>
+                <a:off x="1999017" y="723691"/>
+                <a:ext cx="2049281" cy="780912"/>
+              </a:xfrm>
+              <a:prstGeom prst="straightConnector1">
+                <a:avLst/>
+              </a:prstGeom>
+              <a:ln>
+                <a:tailEnd type="triangle"/>
+              </a:ln>
+            </p:spPr>
+            <p:style>
+              <a:lnRef idx="1">
+                <a:schemeClr val="accent1"/>
+              </a:lnRef>
+              <a:fillRef idx="0">
+                <a:schemeClr val="accent1"/>
+              </a:fillRef>
+              <a:effectRef idx="0">
+                <a:schemeClr val="accent1"/>
+              </a:effectRef>
+              <a:fontRef idx="minor">
+                <a:schemeClr val="tx1"/>
+              </a:fontRef>
+            </p:style>
+          </p:cxnSp>
+          <p:cxnSp>
+            <p:nvCxnSpPr>
+              <p:cNvPr id="9" name="直接箭头连接符 8">
+                <a:extLst>
+                  <a:ext uri="{FF2B5EF4-FFF2-40B4-BE49-F238E27FC236}">
+                    <a16:creationId xmlns:a16="http://schemas.microsoft.com/office/drawing/2014/main" id="{3FDDB54B-D66F-41CF-AB05-B03C8609F8CA}"/>
+                  </a:ext>
+                </a:extLst>
+              </p:cNvPr>
+              <p:cNvCxnSpPr>
+                <a:cxnSpLocks/>
+                <a:endCxn id="4" idx="4"/>
+              </p:cNvCxnSpPr>
+              <p:nvPr/>
+            </p:nvCxnSpPr>
+            <p:spPr>
+              <a:xfrm flipV="1">
+                <a:off x="2018413" y="2693323"/>
+                <a:ext cx="2029885" cy="440575"/>
+              </a:xfrm>
+              <a:prstGeom prst="straightConnector1">
+                <a:avLst/>
+              </a:prstGeom>
+              <a:ln>
+                <a:tailEnd type="triangle"/>
+              </a:ln>
+            </p:spPr>
+            <p:style>
+              <a:lnRef idx="1">
+                <a:schemeClr val="accent1"/>
+              </a:lnRef>
+              <a:fillRef idx="0">
+                <a:schemeClr val="accent1"/>
+              </a:fillRef>
+              <a:effectRef idx="0">
+                <a:schemeClr val="accent1"/>
+              </a:effectRef>
+              <a:fontRef idx="minor">
+                <a:schemeClr val="tx1"/>
+              </a:fontRef>
+            </p:style>
+          </p:cxnSp>
+          <p:cxnSp>
+            <p:nvCxnSpPr>
+              <p:cNvPr id="10" name="直接箭头连接符 9">
+                <a:extLst>
+                  <a:ext uri="{FF2B5EF4-FFF2-40B4-BE49-F238E27FC236}">
+                    <a16:creationId xmlns:a16="http://schemas.microsoft.com/office/drawing/2014/main" id="{484C709E-F36E-4F72-8881-2845FA6701E2}"/>
+                  </a:ext>
+                </a:extLst>
+              </p:cNvPr>
+              <p:cNvCxnSpPr>
+                <a:cxnSpLocks/>
+                <a:endCxn id="4" idx="3"/>
+              </p:cNvCxnSpPr>
+              <p:nvPr/>
+            </p:nvCxnSpPr>
+            <p:spPr>
+              <a:xfrm flipV="1">
+                <a:off x="2018413" y="2519239"/>
+                <a:ext cx="1406819" cy="445634"/>
+              </a:xfrm>
+              <a:prstGeom prst="straightConnector1">
+                <a:avLst/>
+              </a:prstGeom>
+              <a:ln>
+                <a:tailEnd type="triangle"/>
+              </a:ln>
+            </p:spPr>
+            <p:style>
+              <a:lnRef idx="1">
+                <a:schemeClr val="accent1"/>
+              </a:lnRef>
+              <a:fillRef idx="0">
+                <a:schemeClr val="accent1"/>
+              </a:fillRef>
+              <a:effectRef idx="0">
+                <a:schemeClr val="accent1"/>
+              </a:effectRef>
+              <a:fontRef idx="minor">
+                <a:schemeClr val="tx1"/>
+              </a:fontRef>
+            </p:style>
+          </p:cxnSp>
+          <p:sp>
+            <p:nvSpPr>
+              <p:cNvPr id="14" name="文本框 13">
+                <a:extLst>
+                  <a:ext uri="{FF2B5EF4-FFF2-40B4-BE49-F238E27FC236}">
+                    <a16:creationId xmlns:a16="http://schemas.microsoft.com/office/drawing/2014/main" id="{B83F109F-DC19-4BF0-B932-F4D6F537F319}"/>
+                  </a:ext>
+                </a:extLst>
+              </p:cNvPr>
+              <p:cNvSpPr txBox="1"/>
+              <p:nvPr/>
+            </p:nvSpPr>
+            <p:spPr>
+              <a:xfrm>
+                <a:off x="1613975" y="441401"/>
+                <a:ext cx="385042" cy="369332"/>
+              </a:xfrm>
+              <a:prstGeom prst="rect">
+                <a:avLst/>
+              </a:prstGeom>
+              <a:noFill/>
+            </p:spPr>
+            <p:txBody>
+              <a:bodyPr wrap="none" rtlCol="0">
+                <a:spAutoFit/>
+              </a:bodyPr>
+              <a:lstStyle/>
+              <a:p>
+                <a:r>
+                  <a:rPr lang="en-US" altLang="zh-CN" b="1" dirty="0"/>
+                  <a:t>x</a:t>
+                </a:r>
+                <a:r>
+                  <a:rPr lang="en-US" altLang="zh-CN" b="1" baseline="-25000" dirty="0"/>
+                  <a:t>1</a:t>
+                </a:r>
+                <a:endParaRPr lang="zh-CN" altLang="en-US" b="1" baseline="-25000" dirty="0"/>
+              </a:p>
+            </p:txBody>
+          </p:sp>
+          <p:sp>
+            <p:nvSpPr>
+              <p:cNvPr id="15" name="文本框 14">
+                <a:extLst>
+                  <a:ext uri="{FF2B5EF4-FFF2-40B4-BE49-F238E27FC236}">
+                    <a16:creationId xmlns:a16="http://schemas.microsoft.com/office/drawing/2014/main" id="{ABE69AA3-35C5-4F55-A6BD-54C10502730C}"/>
+                  </a:ext>
+                </a:extLst>
+              </p:cNvPr>
+              <p:cNvSpPr txBox="1"/>
+              <p:nvPr/>
+            </p:nvSpPr>
+            <p:spPr>
+              <a:xfrm>
+                <a:off x="1613587" y="653040"/>
+                <a:ext cx="385042" cy="369332"/>
+              </a:xfrm>
+              <a:prstGeom prst="rect">
+                <a:avLst/>
+              </a:prstGeom>
+              <a:noFill/>
+            </p:spPr>
+            <p:txBody>
+              <a:bodyPr wrap="none" rtlCol="0">
+                <a:spAutoFit/>
+              </a:bodyPr>
+              <a:lstStyle/>
+              <a:p>
+                <a:r>
+                  <a:rPr lang="en-US" altLang="zh-CN" b="1" dirty="0"/>
+                  <a:t>x</a:t>
+                </a:r>
+                <a:r>
+                  <a:rPr lang="en-US" altLang="zh-CN" b="1" baseline="-25000" dirty="0"/>
+                  <a:t>2</a:t>
+                </a:r>
+                <a:endParaRPr lang="zh-CN" altLang="en-US" b="1" baseline="-25000" dirty="0"/>
+              </a:p>
+            </p:txBody>
+          </p:sp>
+          <p:sp>
+            <p:nvSpPr>
+              <p:cNvPr id="16" name="文本框 15">
+                <a:extLst>
+                  <a:ext uri="{FF2B5EF4-FFF2-40B4-BE49-F238E27FC236}">
+                    <a16:creationId xmlns:a16="http://schemas.microsoft.com/office/drawing/2014/main" id="{69BA4731-9633-4159-86AB-E8E87AB13B2E}"/>
+                  </a:ext>
+                </a:extLst>
+              </p:cNvPr>
+              <p:cNvSpPr txBox="1"/>
+              <p:nvPr/>
+            </p:nvSpPr>
+            <p:spPr>
+              <a:xfrm>
+                <a:off x="1662934" y="2680054"/>
+                <a:ext cx="546945" cy="307777"/>
+              </a:xfrm>
+              <a:prstGeom prst="rect">
+                <a:avLst/>
+              </a:prstGeom>
+              <a:noFill/>
+            </p:spPr>
+            <p:txBody>
+              <a:bodyPr wrap="none" rtlCol="0">
+                <a:spAutoFit/>
+              </a:bodyPr>
+              <a:lstStyle/>
+              <a:p>
+                <a:r>
+                  <a:rPr lang="en-US" altLang="zh-CN" sz="1400" b="1" dirty="0"/>
+                  <a:t>X</a:t>
+                </a:r>
+                <a:r>
+                  <a:rPr lang="en-US" altLang="zh-CN" b="1" baseline="-25000" dirty="0"/>
+                  <a:t>n-1</a:t>
+                </a:r>
+                <a:endParaRPr lang="zh-CN" altLang="en-US" b="1" baseline="-25000" dirty="0"/>
+              </a:p>
+            </p:txBody>
+          </p:sp>
+          <p:sp>
+            <p:nvSpPr>
+              <p:cNvPr id="17" name="文本框 16">
+                <a:extLst>
+                  <a:ext uri="{FF2B5EF4-FFF2-40B4-BE49-F238E27FC236}">
+                    <a16:creationId xmlns:a16="http://schemas.microsoft.com/office/drawing/2014/main" id="{BA94804D-C022-4A8E-9331-F8BAFFD00015}"/>
+                  </a:ext>
+                </a:extLst>
+              </p:cNvPr>
+              <p:cNvSpPr txBox="1"/>
+              <p:nvPr/>
+            </p:nvSpPr>
+            <p:spPr>
+              <a:xfrm>
+                <a:off x="1648153" y="2845317"/>
+                <a:ext cx="389850" cy="369332"/>
+              </a:xfrm>
+              <a:prstGeom prst="rect">
+                <a:avLst/>
+              </a:prstGeom>
+              <a:noFill/>
+            </p:spPr>
+            <p:txBody>
+              <a:bodyPr wrap="none" rtlCol="0">
+                <a:spAutoFit/>
+              </a:bodyPr>
+              <a:lstStyle/>
+              <a:p>
+                <a:r>
+                  <a:rPr lang="en-US" altLang="zh-CN" b="1" dirty="0" err="1"/>
+                  <a:t>x</a:t>
+                </a:r>
+                <a:r>
+                  <a:rPr lang="en-US" altLang="zh-CN" b="1" baseline="-25000" dirty="0" err="1"/>
+                  <a:t>n</a:t>
+                </a:r>
+                <a:endParaRPr lang="zh-CN" altLang="en-US" b="1" baseline="-25000" dirty="0"/>
+              </a:p>
+            </p:txBody>
+          </p:sp>
+          <p:sp>
+            <p:nvSpPr>
+              <p:cNvPr id="18" name="文本框 17">
+                <a:extLst>
+                  <a:ext uri="{FF2B5EF4-FFF2-40B4-BE49-F238E27FC236}">
+                    <a16:creationId xmlns:a16="http://schemas.microsoft.com/office/drawing/2014/main" id="{27E7E6CC-55EC-4FCE-A70D-9EE83B08A9DD}"/>
+                  </a:ext>
+                </a:extLst>
+              </p:cNvPr>
+              <p:cNvSpPr txBox="1"/>
+              <p:nvPr/>
+            </p:nvSpPr>
+            <p:spPr>
+              <a:xfrm>
+                <a:off x="1576338" y="1909889"/>
+                <a:ext cx="461665" cy="254237"/>
+              </a:xfrm>
+              <a:prstGeom prst="rect">
+                <a:avLst/>
+              </a:prstGeom>
+              <a:noFill/>
+            </p:spPr>
+            <p:txBody>
+              <a:bodyPr vert="eaVert" wrap="none" rtlCol="0">
+                <a:spAutoFit/>
+              </a:bodyPr>
+              <a:lstStyle/>
+              <a:p>
+                <a:r>
+                  <a:rPr lang="en-US" altLang="zh-CN" dirty="0"/>
+                  <a:t>…</a:t>
+                </a:r>
+                <a:endParaRPr lang="zh-CN" altLang="en-US" dirty="0"/>
+              </a:p>
+            </p:txBody>
+          </p:sp>
+          <p:sp>
+            <p:nvSpPr>
+              <p:cNvPr id="20" name="文本框 19">
+                <a:extLst>
+                  <a:ext uri="{FF2B5EF4-FFF2-40B4-BE49-F238E27FC236}">
+                    <a16:creationId xmlns:a16="http://schemas.microsoft.com/office/drawing/2014/main" id="{F921CA31-380A-4834-9329-771AA2100EF1}"/>
+                  </a:ext>
+                </a:extLst>
+              </p:cNvPr>
+              <p:cNvSpPr txBox="1"/>
+              <p:nvPr/>
+            </p:nvSpPr>
+            <p:spPr>
+              <a:xfrm>
+                <a:off x="2801093" y="773049"/>
+                <a:ext cx="444352" cy="369332"/>
+              </a:xfrm>
+              <a:prstGeom prst="rect">
+                <a:avLst/>
+              </a:prstGeom>
+              <a:noFill/>
+            </p:spPr>
+            <p:txBody>
+              <a:bodyPr wrap="none" rtlCol="0">
+                <a:spAutoFit/>
+              </a:bodyPr>
+              <a:lstStyle/>
+              <a:p>
+                <a:r>
+                  <a:rPr lang="en-US" altLang="zh-CN" b="1" dirty="0"/>
+                  <a:t>w</a:t>
+                </a:r>
+                <a:r>
+                  <a:rPr lang="en-US" altLang="zh-CN" b="1" baseline="-25000" dirty="0"/>
+                  <a:t>1</a:t>
+                </a:r>
+                <a:endParaRPr lang="zh-CN" altLang="en-US" b="1" baseline="-25000" dirty="0"/>
+              </a:p>
+            </p:txBody>
+          </p:sp>
+          <p:sp>
+            <p:nvSpPr>
+              <p:cNvPr id="21" name="文本框 20">
+                <a:extLst>
+                  <a:ext uri="{FF2B5EF4-FFF2-40B4-BE49-F238E27FC236}">
+                    <a16:creationId xmlns:a16="http://schemas.microsoft.com/office/drawing/2014/main" id="{BC154E26-E3E9-4AFE-A782-C7CA3357B8AF}"/>
+                  </a:ext>
+                </a:extLst>
+              </p:cNvPr>
+              <p:cNvSpPr txBox="1"/>
+              <p:nvPr/>
+            </p:nvSpPr>
+            <p:spPr>
+              <a:xfrm>
+                <a:off x="2801093" y="1064028"/>
+                <a:ext cx="444352" cy="369332"/>
+              </a:xfrm>
+              <a:prstGeom prst="rect">
+                <a:avLst/>
+              </a:prstGeom>
+              <a:noFill/>
+            </p:spPr>
+            <p:txBody>
+              <a:bodyPr wrap="none" rtlCol="0">
+                <a:spAutoFit/>
+              </a:bodyPr>
+              <a:lstStyle/>
+              <a:p>
+                <a:r>
+                  <a:rPr lang="en-US" altLang="zh-CN" b="1" dirty="0"/>
+                  <a:t>w</a:t>
+                </a:r>
+                <a:r>
+                  <a:rPr lang="en-US" altLang="zh-CN" b="1" baseline="-25000" dirty="0"/>
+                  <a:t>2</a:t>
+                </a:r>
+                <a:endParaRPr lang="zh-CN" altLang="en-US" b="1" baseline="-25000" dirty="0"/>
+              </a:p>
+            </p:txBody>
+          </p:sp>
+          <p:sp>
+            <p:nvSpPr>
+              <p:cNvPr id="22" name="文本框 21">
+                <a:extLst>
+                  <a:ext uri="{FF2B5EF4-FFF2-40B4-BE49-F238E27FC236}">
+                    <a16:creationId xmlns:a16="http://schemas.microsoft.com/office/drawing/2014/main" id="{47352B70-D1FB-4762-8FBC-B3A20905E1EC}"/>
+                  </a:ext>
+                </a:extLst>
+              </p:cNvPr>
+              <p:cNvSpPr txBox="1"/>
+              <p:nvPr/>
+            </p:nvSpPr>
+            <p:spPr>
+              <a:xfrm>
+                <a:off x="2801093" y="2345081"/>
+                <a:ext cx="609462" cy="307777"/>
+              </a:xfrm>
+              <a:prstGeom prst="rect">
+                <a:avLst/>
+              </a:prstGeom>
+              <a:noFill/>
+            </p:spPr>
+            <p:txBody>
+              <a:bodyPr wrap="none" rtlCol="0">
+                <a:spAutoFit/>
+              </a:bodyPr>
+              <a:lstStyle/>
+              <a:p>
+                <a:r>
+                  <a:rPr lang="en-US" altLang="zh-CN" sz="1400" b="1" dirty="0"/>
+                  <a:t>W</a:t>
+                </a:r>
+                <a:r>
+                  <a:rPr lang="en-US" altLang="zh-CN" b="1" baseline="-25000" dirty="0"/>
+                  <a:t>n-1</a:t>
+                </a:r>
+                <a:endParaRPr lang="zh-CN" altLang="en-US" b="1" baseline="-25000" dirty="0"/>
+              </a:p>
+            </p:txBody>
+          </p:sp>
+          <p:sp>
+            <p:nvSpPr>
+              <p:cNvPr id="23" name="文本框 22">
+                <a:extLst>
+                  <a:ext uri="{FF2B5EF4-FFF2-40B4-BE49-F238E27FC236}">
+                    <a16:creationId xmlns:a16="http://schemas.microsoft.com/office/drawing/2014/main" id="{F7CA6985-5A9F-452E-B055-F8F901756A90}"/>
+                  </a:ext>
+                </a:extLst>
+              </p:cNvPr>
+              <p:cNvSpPr txBox="1"/>
+              <p:nvPr/>
+            </p:nvSpPr>
+            <p:spPr>
+              <a:xfrm>
+                <a:off x="2801093" y="2608810"/>
+                <a:ext cx="449162" cy="369332"/>
+              </a:xfrm>
+              <a:prstGeom prst="rect">
+                <a:avLst/>
+              </a:prstGeom>
+              <a:noFill/>
+            </p:spPr>
+            <p:txBody>
+              <a:bodyPr wrap="none" rtlCol="0">
+                <a:spAutoFit/>
+              </a:bodyPr>
+              <a:lstStyle/>
+              <a:p>
+                <a:r>
+                  <a:rPr lang="en-US" altLang="zh-CN" b="1" dirty="0" err="1"/>
+                  <a:t>w</a:t>
+                </a:r>
+                <a:r>
+                  <a:rPr lang="en-US" altLang="zh-CN" b="1" baseline="-25000" dirty="0" err="1"/>
+                  <a:t>n</a:t>
+                </a:r>
+                <a:endParaRPr lang="zh-CN" altLang="en-US" b="1" baseline="-25000" dirty="0"/>
+              </a:p>
+            </p:txBody>
+          </p:sp>
+          <p:cxnSp>
+            <p:nvCxnSpPr>
+              <p:cNvPr id="25" name="直接箭头连接符 24">
+                <a:extLst>
+                  <a:ext uri="{FF2B5EF4-FFF2-40B4-BE49-F238E27FC236}">
+                    <a16:creationId xmlns:a16="http://schemas.microsoft.com/office/drawing/2014/main" id="{9EF0F5AB-545C-45DA-8756-A713A5D90797}"/>
+                  </a:ext>
+                </a:extLst>
+              </p:cNvPr>
+              <p:cNvCxnSpPr>
+                <a:cxnSpLocks/>
+              </p:cNvCxnSpPr>
+              <p:nvPr/>
+            </p:nvCxnSpPr>
+            <p:spPr>
+              <a:xfrm flipV="1">
+                <a:off x="4048298" y="2693324"/>
+                <a:ext cx="0" cy="521325"/>
+              </a:xfrm>
+              <a:prstGeom prst="straightConnector1">
+                <a:avLst/>
+              </a:prstGeom>
+              <a:ln>
+                <a:tailEnd type="triangle"/>
+              </a:ln>
+            </p:spPr>
+            <p:style>
+              <a:lnRef idx="1">
+                <a:schemeClr val="accent1"/>
+              </a:lnRef>
+              <a:fillRef idx="0">
+                <a:schemeClr val="accent1"/>
+              </a:fillRef>
+              <a:effectRef idx="0">
+                <a:schemeClr val="accent1"/>
+              </a:effectRef>
+              <a:fontRef idx="minor">
+                <a:schemeClr val="tx1"/>
+              </a:fontRef>
+            </p:style>
+          </p:cxnSp>
+          <p:cxnSp>
+            <p:nvCxnSpPr>
+              <p:cNvPr id="27" name="直接连接符 26">
+                <a:extLst>
+                  <a:ext uri="{FF2B5EF4-FFF2-40B4-BE49-F238E27FC236}">
+                    <a16:creationId xmlns:a16="http://schemas.microsoft.com/office/drawing/2014/main" id="{B925A51C-AA42-4481-840C-D668BECB54DA}"/>
+                  </a:ext>
+                </a:extLst>
+              </p:cNvPr>
+              <p:cNvCxnSpPr>
+                <a:stCxn id="4" idx="0"/>
+                <a:endCxn id="4" idx="4"/>
+              </p:cNvCxnSpPr>
+              <p:nvPr/>
+            </p:nvCxnSpPr>
+            <p:spPr>
+              <a:xfrm>
+                <a:off x="4048298" y="1504603"/>
+                <a:ext cx="0" cy="1188720"/>
+              </a:xfrm>
+              <a:prstGeom prst="line">
+                <a:avLst/>
+              </a:prstGeom>
+              <a:ln w="28575">
+                <a:solidFill>
+                  <a:schemeClr val="tx1"/>
+                </a:solidFill>
+              </a:ln>
+            </p:spPr>
+            <p:style>
+              <a:lnRef idx="1">
+                <a:schemeClr val="accent1"/>
+              </a:lnRef>
+              <a:fillRef idx="0">
+                <a:schemeClr val="accent1"/>
+              </a:fillRef>
+              <a:effectRef idx="0">
+                <a:schemeClr val="accent1"/>
+              </a:effectRef>
+              <a:fontRef idx="minor">
+                <a:schemeClr val="tx1"/>
+              </a:fontRef>
+            </p:style>
+          </p:cxnSp>
+          <p:cxnSp>
+            <p:nvCxnSpPr>
+              <p:cNvPr id="29" name="直接箭头连接符 28">
+                <a:extLst>
+                  <a:ext uri="{FF2B5EF4-FFF2-40B4-BE49-F238E27FC236}">
+                    <a16:creationId xmlns:a16="http://schemas.microsoft.com/office/drawing/2014/main" id="{9B4591E4-F7D4-4547-A57C-AC30BADFF629}"/>
+                  </a:ext>
+                </a:extLst>
+              </p:cNvPr>
+              <p:cNvCxnSpPr>
+                <a:cxnSpLocks/>
+                <a:stCxn id="4" idx="6"/>
+              </p:cNvCxnSpPr>
+              <p:nvPr/>
+            </p:nvCxnSpPr>
+            <p:spPr>
+              <a:xfrm>
+                <a:off x="4929447" y="2098963"/>
+                <a:ext cx="515389" cy="0"/>
+              </a:xfrm>
+              <a:prstGeom prst="straightConnector1">
+                <a:avLst/>
+              </a:prstGeom>
+              <a:ln>
+                <a:tailEnd type="triangle"/>
+              </a:ln>
+            </p:spPr>
+            <p:style>
+              <a:lnRef idx="1">
+                <a:schemeClr val="accent1"/>
+              </a:lnRef>
+              <a:fillRef idx="0">
+                <a:schemeClr val="accent1"/>
+              </a:fillRef>
+              <a:effectRef idx="0">
+                <a:schemeClr val="accent1"/>
+              </a:effectRef>
+              <a:fontRef idx="minor">
+                <a:schemeClr val="tx1"/>
+              </a:fontRef>
+            </p:style>
+          </p:cxnSp>
+          <p:sp>
+            <p:nvSpPr>
+              <p:cNvPr id="31" name="文本框 30">
+                <a:extLst>
+                  <a:ext uri="{FF2B5EF4-FFF2-40B4-BE49-F238E27FC236}">
+                    <a16:creationId xmlns:a16="http://schemas.microsoft.com/office/drawing/2014/main" id="{D1BE0714-26EA-4FBB-A9E3-C61BA1934E7A}"/>
+                  </a:ext>
+                </a:extLst>
+              </p:cNvPr>
+              <p:cNvSpPr txBox="1"/>
+              <p:nvPr/>
+            </p:nvSpPr>
+            <p:spPr>
+              <a:xfrm>
+                <a:off x="5387493" y="1893263"/>
+                <a:ext cx="359394" cy="369332"/>
+              </a:xfrm>
+              <a:prstGeom prst="rect">
+                <a:avLst/>
+              </a:prstGeom>
+              <a:noFill/>
+            </p:spPr>
+            <p:txBody>
+              <a:bodyPr wrap="none" rtlCol="0">
+                <a:spAutoFit/>
+              </a:bodyPr>
+              <a:lstStyle/>
+              <a:p>
+                <a:r>
+                  <a:rPr lang="en-US" altLang="zh-CN" b="1" dirty="0"/>
+                  <a:t>O</a:t>
+                </a:r>
+                <a:endParaRPr lang="zh-CN" altLang="en-US" b="1" dirty="0"/>
+              </a:p>
+            </p:txBody>
+          </p:sp>
+          <mc:AlternateContent xmlns:mc="http://schemas.openxmlformats.org/markup-compatibility/2006" xmlns:a14="http://schemas.microsoft.com/office/drawing/2010/main">
+            <mc:Choice Requires="a14">
+              <p:sp>
+                <p:nvSpPr>
+                  <p:cNvPr id="32" name="文本框 31">
+                    <a:extLst>
+                      <a:ext uri="{FF2B5EF4-FFF2-40B4-BE49-F238E27FC236}">
+                        <a16:creationId xmlns:a16="http://schemas.microsoft.com/office/drawing/2014/main" id="{EE4988D9-03D4-4618-BDAD-2D15E987992C}"/>
+                      </a:ext>
+                    </a:extLst>
+                  </p:cNvPr>
+                  <p:cNvSpPr txBox="1"/>
+                  <p:nvPr/>
+                </p:nvSpPr>
+                <p:spPr>
+                  <a:xfrm>
+                    <a:off x="3206135" y="1782293"/>
+                    <a:ext cx="839652" cy="670761"/>
+                  </a:xfrm>
+                  <a:prstGeom prst="rect">
+                    <a:avLst/>
+                  </a:prstGeom>
+                  <a:noFill/>
+                </p:spPr>
+                <p:txBody>
+                  <a:bodyPr wrap="none" lIns="0" tIns="0" rIns="0" bIns="0" rtlCol="0">
+                    <a:spAutoFit/>
+                  </a:bodyPr>
+                  <a:lstStyle/>
+                  <a:p>
+                    <a:pPr/>
+                    <a14:m>
+                      <m:oMathPara xmlns:m="http://schemas.openxmlformats.org/officeDocument/2006/math">
+                        <m:oMathParaPr>
+                          <m:jc m:val="centerGroup"/>
+                        </m:oMathParaPr>
+                        <m:oMath xmlns:m="http://schemas.openxmlformats.org/officeDocument/2006/math">
+                          <m:nary>
+                            <m:naryPr>
+                              <m:chr m:val="∑"/>
+                              <m:subHide m:val="on"/>
+                              <m:supHide m:val="on"/>
+                              <m:ctrlPr>
+                                <a:rPr lang="zh-CN" altLang="en-US" i="1" smtClean="0">
+                                  <a:latin typeface="Cambria Math" panose="02040503050406030204" pitchFamily="18" charset="0"/>
+                                </a:rPr>
+                              </m:ctrlPr>
+                            </m:naryPr>
+                            <m:sub/>
+                            <m:sup/>
+                            <m:e>
+                              <m:sSub>
+                                <m:sSubPr>
+                                  <m:ctrlPr>
+                                    <a:rPr lang="en-US" altLang="zh-CN" i="1" smtClean="0">
+                                      <a:latin typeface="Cambria Math" panose="02040503050406030204" pitchFamily="18" charset="0"/>
+                                    </a:rPr>
+                                  </m:ctrlPr>
+                                </m:sSubPr>
+                                <m:e>
+                                  <m:r>
+                                    <a:rPr lang="en-US" altLang="zh-CN" b="0" i="1" smtClean="0">
+                                      <a:latin typeface="Cambria Math" panose="02040503050406030204" pitchFamily="18" charset="0"/>
+                                    </a:rPr>
+                                    <m:t>𝑥</m:t>
+                                  </m:r>
+                                </m:e>
+                                <m:sub>
+                                  <m:r>
+                                    <a:rPr lang="en-US" altLang="zh-CN" b="0" i="1" smtClean="0">
+                                      <a:latin typeface="Cambria Math" panose="02040503050406030204" pitchFamily="18" charset="0"/>
+                                    </a:rPr>
+                                    <m:t>𝑖</m:t>
+                                  </m:r>
+                                </m:sub>
+                              </m:sSub>
+                              <m:sSub>
+                                <m:sSubPr>
+                                  <m:ctrlPr>
+                                    <a:rPr lang="en-US" altLang="zh-CN" i="1" smtClean="0">
+                                      <a:latin typeface="Cambria Math" panose="02040503050406030204" pitchFamily="18" charset="0"/>
+                                    </a:rPr>
+                                  </m:ctrlPr>
+                                </m:sSubPr>
+                                <m:e>
+                                  <m:r>
+                                    <a:rPr lang="en-US" altLang="zh-CN" b="0" i="1" smtClean="0">
+                                      <a:latin typeface="Cambria Math" panose="02040503050406030204" pitchFamily="18" charset="0"/>
+                                    </a:rPr>
+                                    <m:t>𝑤</m:t>
+                                  </m:r>
+                                </m:e>
+                                <m:sub>
+                                  <m:r>
+                                    <a:rPr lang="en-US" altLang="zh-CN" b="0" i="1" smtClean="0">
+                                      <a:latin typeface="Cambria Math" panose="02040503050406030204" pitchFamily="18" charset="0"/>
+                                    </a:rPr>
+                                    <m:t>𝑖</m:t>
+                                  </m:r>
+                                </m:sub>
+                              </m:sSub>
+                            </m:e>
+                          </m:nary>
+                        </m:oMath>
+                      </m:oMathPara>
+                    </a14:m>
+                    <a:endParaRPr lang="zh-CN" altLang="en-US" dirty="0"/>
+                  </a:p>
+                </p:txBody>
+              </p:sp>
+            </mc:Choice>
+            <mc:Fallback xmlns="">
+              <p:sp>
+                <p:nvSpPr>
+                  <p:cNvPr id="32" name="文本框 31">
+                    <a:extLst>
+                      <a:ext uri="{FF2B5EF4-FFF2-40B4-BE49-F238E27FC236}">
+                        <a16:creationId xmlns:a16="http://schemas.microsoft.com/office/drawing/2014/main" id="{EE4988D9-03D4-4618-BDAD-2D15E987992C}"/>
+                      </a:ext>
+                    </a:extLst>
+                  </p:cNvPr>
+                  <p:cNvSpPr txBox="1">
+                    <a:spLocks noRot="1" noChangeAspect="1" noMove="1" noResize="1" noEditPoints="1" noAdjustHandles="1" noChangeArrowheads="1" noChangeShapeType="1" noTextEdit="1"/>
+                  </p:cNvSpPr>
+                  <p:nvPr/>
+                </p:nvSpPr>
+                <p:spPr>
+                  <a:xfrm>
+                    <a:off x="3206135" y="1782293"/>
+                    <a:ext cx="839652" cy="670761"/>
+                  </a:xfrm>
+                  <a:prstGeom prst="rect">
+                    <a:avLst/>
+                  </a:prstGeom>
+                  <a:blipFill>
+                    <a:blip r:embed="rId2"/>
+                    <a:stretch>
+                      <a:fillRect/>
+                    </a:stretch>
+                  </a:blipFill>
+                </p:spPr>
+                <p:txBody>
+                  <a:bodyPr/>
+                  <a:lstStyle/>
+                  <a:p>
+                    <a:r>
+                      <a:rPr lang="zh-CN" altLang="en-US">
+                        <a:noFill/>
+                      </a:rPr>
+                      <a:t> </a:t>
+                    </a:r>
+                  </a:p>
+                </p:txBody>
+              </p:sp>
+            </mc:Fallback>
+          </mc:AlternateContent>
+          <mc:AlternateContent xmlns:mc="http://schemas.openxmlformats.org/markup-compatibility/2006" xmlns:a14="http://schemas.microsoft.com/office/drawing/2010/main">
+            <mc:Choice Requires="a14">
+              <p:sp>
+                <p:nvSpPr>
+                  <p:cNvPr id="33" name="文本框 32">
+                    <a:extLst>
+                      <a:ext uri="{FF2B5EF4-FFF2-40B4-BE49-F238E27FC236}">
+                        <a16:creationId xmlns:a16="http://schemas.microsoft.com/office/drawing/2014/main" id="{04DA21F3-808D-4E0F-A88B-D35BE08E8626}"/>
+                      </a:ext>
+                    </a:extLst>
+                  </p:cNvPr>
+                  <p:cNvSpPr txBox="1"/>
+                  <p:nvPr/>
+                </p:nvSpPr>
+                <p:spPr>
+                  <a:xfrm>
+                    <a:off x="4388418" y="1960463"/>
+                    <a:ext cx="195886" cy="276999"/>
+                  </a:xfrm>
+                  <a:prstGeom prst="rect">
+                    <a:avLst/>
+                  </a:prstGeom>
+                  <a:noFill/>
+                </p:spPr>
+                <p:txBody>
+                  <a:bodyPr wrap="none" lIns="0" tIns="0" rIns="0" bIns="0" rtlCol="0">
+                    <a:spAutoFit/>
+                  </a:bodyPr>
+                  <a:lstStyle/>
+                  <a:p>
+                    <a:pPr/>
+                    <a14:m>
+                      <m:oMathPara xmlns:m="http://schemas.openxmlformats.org/officeDocument/2006/math">
+                        <m:oMathParaPr>
+                          <m:jc m:val="centerGroup"/>
+                        </m:oMathParaPr>
+                        <m:oMath xmlns:m="http://schemas.openxmlformats.org/officeDocument/2006/math">
+                          <m:r>
+                            <a:rPr lang="en-US" altLang="zh-CN" b="0" i="1" smtClean="0">
+                              <a:latin typeface="Cambria Math" panose="02040503050406030204" pitchFamily="18" charset="0"/>
+                            </a:rPr>
+                            <m:t>𝑓</m:t>
+                          </m:r>
+                        </m:oMath>
+                      </m:oMathPara>
+                    </a14:m>
+                    <a:endParaRPr lang="zh-CN" altLang="en-US" dirty="0"/>
+                  </a:p>
+                </p:txBody>
+              </p:sp>
+            </mc:Choice>
+            <mc:Fallback xmlns="">
+              <p:sp>
+                <p:nvSpPr>
+                  <p:cNvPr id="33" name="文本框 32">
+                    <a:extLst>
+                      <a:ext uri="{FF2B5EF4-FFF2-40B4-BE49-F238E27FC236}">
+                        <a16:creationId xmlns:a16="http://schemas.microsoft.com/office/drawing/2014/main" id="{04DA21F3-808D-4E0F-A88B-D35BE08E8626}"/>
+                      </a:ext>
+                    </a:extLst>
+                  </p:cNvPr>
+                  <p:cNvSpPr txBox="1">
+                    <a:spLocks noRot="1" noChangeAspect="1" noMove="1" noResize="1" noEditPoints="1" noAdjustHandles="1" noChangeArrowheads="1" noChangeShapeType="1" noTextEdit="1"/>
+                  </p:cNvSpPr>
+                  <p:nvPr/>
+                </p:nvSpPr>
+                <p:spPr>
+                  <a:xfrm>
+                    <a:off x="4388418" y="1960463"/>
+                    <a:ext cx="195886" cy="276999"/>
+                  </a:xfrm>
+                  <a:prstGeom prst="rect">
+                    <a:avLst/>
+                  </a:prstGeom>
+                  <a:blipFill>
+                    <a:blip r:embed="rId3"/>
+                    <a:stretch>
+                      <a:fillRect l="-40625" t="-4444" r="-37500" b="-35556"/>
+                    </a:stretch>
+                  </a:blipFill>
+                </p:spPr>
+                <p:txBody>
+                  <a:bodyPr/>
+                  <a:lstStyle/>
+                  <a:p>
+                    <a:r>
+                      <a:rPr lang="zh-CN" altLang="en-US">
+                        <a:noFill/>
+                      </a:rPr>
+                      <a:t> </a:t>
+                    </a:r>
+                  </a:p>
+                </p:txBody>
+              </p:sp>
+            </mc:Fallback>
+          </mc:AlternateContent>
+        </p:grpSp>
         <mc:AlternateContent xmlns:mc="http://schemas.openxmlformats.org/markup-compatibility/2006">
           <mc:Choice xmlns:a14="http://schemas.microsoft.com/office/drawing/2010/main" Requires="a14">
             <p:sp>
               <p:nvSpPr>
-                <p:cNvPr id="32" name="文本框 31">
+                <p:cNvPr id="2" name="文本框 1">
                   <a:extLst>
                     <a:ext uri="{FF2B5EF4-FFF2-40B4-BE49-F238E27FC236}">
-                      <a16:creationId xmlns:a16="http://schemas.microsoft.com/office/drawing/2014/main" id="{EE4988D9-03D4-4618-BDAD-2D15E987992C}"/>
+                      <a16:creationId xmlns:a16="http://schemas.microsoft.com/office/drawing/2014/main" id="{8E6ACC23-C368-475C-ACB8-25C654068251}"/>
                     </a:ext>
                   </a:extLst>
                 </p:cNvPr>
@@ -4821,163 +5096,8 @@
               </p:nvSpPr>
               <p:spPr>
                 <a:xfrm>
-                  <a:off x="3206135" y="1782293"/>
-                  <a:ext cx="839652" cy="670761"/>
-                </a:xfrm>
-                <a:prstGeom prst="rect">
-                  <a:avLst/>
-                </a:prstGeom>
-                <a:noFill/>
-              </p:spPr>
-              <p:txBody>
-                <a:bodyPr wrap="none" lIns="0" tIns="0" rIns="0" bIns="0" rtlCol="0">
-                  <a:spAutoFit/>
-                </a:bodyPr>
-                <a:lstStyle/>
-                <a:p>
-                  <a14:m>
-                    <m:oMathPara xmlns:m="http://schemas.openxmlformats.org/officeDocument/2006/math">
-                      <m:oMathParaPr>
-                        <m:jc m:val="centerGroup"/>
-                      </m:oMathParaPr>
-                      <m:oMath xmlns:m="http://schemas.openxmlformats.org/officeDocument/2006/math">
-                        <m:nary>
-                          <m:naryPr>
-                            <m:chr m:val="∑"/>
-                            <m:subHide m:val="on"/>
-                            <m:supHide m:val="on"/>
-                            <m:ctrlPr>
-                              <a:rPr lang="zh-CN" altLang="en-US" i="1" smtClean="0">
-                                <a:latin typeface="Cambria Math" panose="02040503050406030204" pitchFamily="18" charset="0"/>
-                              </a:rPr>
-                            </m:ctrlPr>
-                          </m:naryPr>
-                          <m:sub/>
-                          <m:sup/>
-                          <m:e>
-                            <m:sSub>
-                              <m:sSubPr>
-                                <m:ctrlPr>
-                                  <a:rPr lang="en-US" altLang="zh-CN" i="1" smtClean="0">
-                                    <a:latin typeface="Cambria Math" panose="02040503050406030204" pitchFamily="18" charset="0"/>
-                                  </a:rPr>
-                                </m:ctrlPr>
-                              </m:sSubPr>
-                              <m:e>
-                                <m:r>
-                                  <a:rPr lang="en-US" altLang="zh-CN" b="0" i="1" smtClean="0">
-                                    <a:latin typeface="Cambria Math" panose="02040503050406030204" pitchFamily="18" charset="0"/>
-                                  </a:rPr>
-                                  <m:t>𝑥</m:t>
-                                </m:r>
-                              </m:e>
-                              <m:sub>
-                                <m:r>
-                                  <a:rPr lang="en-US" altLang="zh-CN" b="0" i="1" smtClean="0">
-                                    <a:latin typeface="Cambria Math" panose="02040503050406030204" pitchFamily="18" charset="0"/>
-                                  </a:rPr>
-                                  <m:t>𝑖</m:t>
-                                </m:r>
-                              </m:sub>
-                            </m:sSub>
-                            <m:sSub>
-                              <m:sSubPr>
-                                <m:ctrlPr>
-                                  <a:rPr lang="en-US" altLang="zh-CN" i="1" smtClean="0">
-                                    <a:latin typeface="Cambria Math" panose="02040503050406030204" pitchFamily="18" charset="0"/>
-                                  </a:rPr>
-                                </m:ctrlPr>
-                              </m:sSubPr>
-                              <m:e>
-                                <m:r>
-                                  <a:rPr lang="en-US" altLang="zh-CN" b="0" i="1" smtClean="0">
-                                    <a:latin typeface="Cambria Math" panose="02040503050406030204" pitchFamily="18" charset="0"/>
-                                  </a:rPr>
-                                  <m:t>𝑤</m:t>
-                                </m:r>
-                              </m:e>
-                              <m:sub>
-                                <m:r>
-                                  <a:rPr lang="en-US" altLang="zh-CN" b="0" i="1" smtClean="0">
-                                    <a:latin typeface="Cambria Math" panose="02040503050406030204" pitchFamily="18" charset="0"/>
-                                  </a:rPr>
-                                  <m:t>𝑖</m:t>
-                                </m:r>
-                              </m:sub>
-                            </m:sSub>
-                          </m:e>
-                        </m:nary>
-                      </m:oMath>
-                    </m:oMathPara>
-                  </a14:m>
-                  <a:endParaRPr lang="zh-CN" altLang="en-US" dirty="0"/>
-                </a:p>
-              </p:txBody>
-            </p:sp>
-          </mc:Choice>
-          <mc:Fallback>
-            <p:sp>
-              <p:nvSpPr>
-                <p:cNvPr id="32" name="文本框 31">
-                  <a:extLst>
-                    <a:ext uri="{FF2B5EF4-FFF2-40B4-BE49-F238E27FC236}">
-                      <a16:creationId xmlns:a16="http://schemas.microsoft.com/office/drawing/2014/main" id="{EE4988D9-03D4-4618-BDAD-2D15E987992C}"/>
-                    </a:ext>
-                  </a:extLst>
-                </p:cNvPr>
-                <p:cNvSpPr txBox="1">
-                  <a:spLocks noRot="1" noChangeAspect="1" noMove="1" noResize="1" noEditPoints="1" noAdjustHandles="1" noChangeArrowheads="1" noChangeShapeType="1" noTextEdit="1"/>
-                </p:cNvSpPr>
-                <p:nvPr/>
-              </p:nvSpPr>
-              <p:spPr>
-                <a:xfrm>
-                  <a:off x="3206135" y="1782293"/>
-                  <a:ext cx="839652" cy="670761"/>
-                </a:xfrm>
-                <a:prstGeom prst="rect">
-                  <a:avLst/>
-                </a:prstGeom>
-                <a:blipFill>
-                  <a:blip r:embed="rId2"/>
-                  <a:stretch>
-                    <a:fillRect/>
-                  </a:stretch>
-                </a:blipFill>
-              </p:spPr>
-              <p:txBody>
-                <a:bodyPr/>
-                <a:lstStyle/>
-                <a:p>
-                  <a:r>
-                    <a:rPr lang="zh-CN" altLang="en-US">
-                      <a:noFill/>
-                    </a:rPr>
-                    <a:t> </a:t>
-                  </a:r>
-                </a:p>
-              </p:txBody>
-            </p:sp>
-          </mc:Fallback>
-        </mc:AlternateContent>
-        <mc:AlternateContent xmlns:mc="http://schemas.openxmlformats.org/markup-compatibility/2006">
-          <mc:Choice xmlns:a14="http://schemas.microsoft.com/office/drawing/2010/main" Requires="a14">
-            <p:sp>
-              <p:nvSpPr>
-                <p:cNvPr id="33" name="文本框 32">
-                  <a:extLst>
-                    <a:ext uri="{FF2B5EF4-FFF2-40B4-BE49-F238E27FC236}">
-                      <a16:creationId xmlns:a16="http://schemas.microsoft.com/office/drawing/2014/main" id="{04DA21F3-808D-4E0F-A88B-D35BE08E8626}"/>
-                    </a:ext>
-                  </a:extLst>
-                </p:cNvPr>
-                <p:cNvSpPr txBox="1"/>
-                <p:nvPr/>
-              </p:nvSpPr>
-              <p:spPr>
-                <a:xfrm>
-                  <a:off x="4388418" y="1960463"/>
-                  <a:ext cx="195886" cy="276999"/>
+                  <a:off x="4090143" y="2903212"/>
+                  <a:ext cx="199093" cy="276999"/>
                 </a:xfrm>
                 <a:prstGeom prst="rect">
                   <a:avLst/>
@@ -4997,10 +5117,10 @@
                       </m:oMathParaPr>
                       <m:oMath xmlns:m="http://schemas.openxmlformats.org/officeDocument/2006/math">
                         <m:r>
-                          <a:rPr lang="en-US" altLang="zh-CN" b="0" i="1" smtClean="0">
+                          <a:rPr lang="zh-CN" altLang="en-US" i="1" smtClean="0">
                             <a:latin typeface="Cambria Math" panose="02040503050406030204" pitchFamily="18" charset="0"/>
                           </a:rPr>
-                          <m:t>𝑓</m:t>
+                          <m:t>𝜃</m:t>
                         </m:r>
                       </m:oMath>
                     </m:oMathPara>
@@ -5013,10 +5133,10 @@
           <mc:Fallback>
             <p:sp>
               <p:nvSpPr>
-                <p:cNvPr id="33" name="文本框 32">
+                <p:cNvPr id="2" name="文本框 1">
                   <a:extLst>
                     <a:ext uri="{FF2B5EF4-FFF2-40B4-BE49-F238E27FC236}">
-                      <a16:creationId xmlns:a16="http://schemas.microsoft.com/office/drawing/2014/main" id="{04DA21F3-808D-4E0F-A88B-D35BE08E8626}"/>
+                      <a16:creationId xmlns:a16="http://schemas.microsoft.com/office/drawing/2014/main" id="{8E6ACC23-C368-475C-ACB8-25C654068251}"/>
                     </a:ext>
                   </a:extLst>
                 </p:cNvPr>
@@ -5027,16 +5147,16 @@
               </p:nvSpPr>
               <p:spPr>
                 <a:xfrm>
-                  <a:off x="4388418" y="1960463"/>
-                  <a:ext cx="195886" cy="276999"/>
+                  <a:off x="4090143" y="2903212"/>
+                  <a:ext cx="199093" cy="276999"/>
                 </a:xfrm>
                 <a:prstGeom prst="rect">
                   <a:avLst/>
                 </a:prstGeom>
                 <a:blipFill>
-                  <a:blip r:embed="rId3"/>
+                  <a:blip r:embed="rId4"/>
                   <a:stretch>
-                    <a:fillRect l="-40625" t="-4444" r="-37500" b="-35556"/>
+                    <a:fillRect l="-27273" r="-18182" b="-6522"/>
                   </a:stretch>
                 </a:blipFill>
               </p:spPr>
